--- a/spring15/slidesS15/cardinality.pptx
+++ b/spring15/slidesS15/cardinality.pptx
@@ -5,10 +5,10 @@
     <p:sldMasterId id="2147483650" r:id="rId1"/>
   </p:sldMasterIdLst>
   <p:notesMasterIdLst>
-    <p:notesMasterId r:id="rId17"/>
+    <p:notesMasterId r:id="rId18"/>
   </p:notesMasterIdLst>
   <p:handoutMasterIdLst>
-    <p:handoutMasterId r:id="rId18"/>
+    <p:handoutMasterId r:id="rId19"/>
   </p:handoutMasterIdLst>
   <p:sldIdLst>
     <p:sldId id="257" r:id="rId2"/>
@@ -26,11 +26,12 @@
     <p:sldId id="366" r:id="rId14"/>
     <p:sldId id="361" r:id="rId15"/>
     <p:sldId id="364" r:id="rId16"/>
+    <p:sldId id="367" r:id="rId17"/>
   </p:sldIdLst>
   <p:sldSz cx="9144000" cy="6858000" type="screen4x3"/>
   <p:notesSz cx="9601200" cy="7315200"/>
   <p:custDataLst>
-    <p:tags r:id="rId20"/>
+    <p:tags r:id="rId21"/>
   </p:custDataLst>
   <p:defaultTextStyle>
     <a:defPPr>
@@ -1390,6 +1391,88 @@
               <a:rPr lang="en-US" smtClean="0"/>
               <a:pPr/>
               <a:t>15</a:t>
+            </a:fld>
+            <a:endParaRPr lang="en-US"/>
+          </a:p>
+        </p:txBody>
+      </p:sp>
+    </p:spTree>
+  </p:cSld>
+  <p:clrMapOvr>
+    <a:masterClrMapping/>
+  </p:clrMapOvr>
+</p:notes>
+</file>
+
+<file path=ppt/notesSlides/notesSlide16.xml><?xml version="1.0" encoding="utf-8"?>
+<p:notes xmlns:a="http://schemas.openxmlformats.org/drawingml/2006/main" xmlns:r="http://schemas.openxmlformats.org/officeDocument/2006/relationships" xmlns:p="http://schemas.openxmlformats.org/presentationml/2006/main">
+  <p:cSld>
+    <p:spTree>
+      <p:nvGrpSpPr>
+        <p:cNvPr id="1" name=""/>
+        <p:cNvGrpSpPr/>
+        <p:nvPr/>
+      </p:nvGrpSpPr>
+      <p:grpSpPr>
+        <a:xfrm>
+          <a:off x="0" y="0"/>
+          <a:ext cx="0" cy="0"/>
+          <a:chOff x="0" y="0"/>
+          <a:chExt cx="0" cy="0"/>
+        </a:xfrm>
+      </p:grpSpPr>
+      <p:sp>
+        <p:nvSpPr>
+          <p:cNvPr id="2" name="Slide Image Placeholder 1"/>
+          <p:cNvSpPr>
+            <a:spLocks noGrp="1" noRot="1" noChangeAspect="1"/>
+          </p:cNvSpPr>
+          <p:nvPr>
+            <p:ph type="sldImg"/>
+          </p:nvPr>
+        </p:nvSpPr>
+        <p:spPr/>
+      </p:sp>
+      <p:sp>
+        <p:nvSpPr>
+          <p:cNvPr id="3" name="Notes Placeholder 2"/>
+          <p:cNvSpPr>
+            <a:spLocks noGrp="1"/>
+          </p:cNvSpPr>
+          <p:nvPr>
+            <p:ph type="body" idx="1"/>
+          </p:nvPr>
+        </p:nvSpPr>
+        <p:spPr/>
+        <p:txBody>
+          <a:bodyPr>
+            <a:normAutofit/>
+          </a:bodyPr>
+          <a:lstStyle/>
+          <a:p>
+            <a:endParaRPr lang="en-US"/>
+          </a:p>
+        </p:txBody>
+      </p:sp>
+      <p:sp>
+        <p:nvSpPr>
+          <p:cNvPr id="4" name="Slide Number Placeholder 3"/>
+          <p:cNvSpPr>
+            <a:spLocks noGrp="1"/>
+          </p:cNvSpPr>
+          <p:nvPr>
+            <p:ph type="sldNum" sz="quarter" idx="10"/>
+          </p:nvPr>
+        </p:nvSpPr>
+        <p:spPr/>
+        <p:txBody>
+          <a:bodyPr/>
+          <a:lstStyle/>
+          <a:p>
+            <a:fld id="{A02B9F3F-3042-489F-AF35-1A733968F079}" type="slidenum">
+              <a:rPr lang="en-US" smtClean="0"/>
+              <a:pPr/>
+              <a:t>16</a:t>
             </a:fld>
             <a:endParaRPr lang="en-US"/>
           </a:p>
@@ -3052,23 +3135,7 @@
                 <a:latin typeface="Comic Sans MS" pitchFamily="66" charset="0"/>
                 <a:cs typeface="Comic Sans MS"/>
               </a:rPr>
-              <a:t>Albert R Meyer,      March </a:t>
-            </a:r>
-            <a:r>
-              <a:rPr kumimoji="0" lang="en-US" sz="1200" b="0" i="0" u="none" strike="noStrike" kern="1200" cap="none" spc="0" normalizeH="0" baseline="0" noProof="0" dirty="0" smtClean="0">
-                <a:ln>
-                  <a:noFill/>
-                </a:ln>
-                <a:solidFill>
-                  <a:schemeClr val="tx1"/>
-                </a:solidFill>
-                <a:effectLst/>
-                <a:uLnTx/>
-                <a:uFillTx/>
-                <a:latin typeface="Comic Sans MS" pitchFamily="66" charset="0"/>
-                <a:cs typeface="Comic Sans MS"/>
-              </a:rPr>
-              <a:t>4, 2015</a:t>
+              <a:t>Albert R Meyer,      March 4, 2015</a:t>
             </a:r>
             <a:endParaRPr kumimoji="0" lang="en-US" sz="1200" b="0" i="0" u="none" strike="noStrike" kern="1200" cap="none" spc="0" normalizeH="0" baseline="0" noProof="0" dirty="0">
               <a:ln>
@@ -4248,13 +4315,6 @@
               </a:rPr>
               <a:t> </a:t>
             </a:r>
-            <a:endParaRPr lang="en-US" sz="5400" dirty="0" smtClean="0">
-              <a:solidFill>
-                <a:srgbClr val="000000"/>
-              </a:solidFill>
-              <a:latin typeface="Comic Sans MS"/>
-              <a:cs typeface="Comic Sans MS"/>
-            </a:endParaRPr>
           </a:p>
         </p:txBody>
       </p:sp>
@@ -4280,7 +4340,7 @@
           <a:graphicData uri="http://schemas.openxmlformats.org/presentationml/2006/ole">
             <mc:AlternateContent xmlns:mc="http://schemas.openxmlformats.org/markup-compatibility/2006">
               <mc:Choice xmlns:v="urn:schemas-microsoft-com:vml" Requires="v">
-                <p:oleObj spid="_x0000_s3114" name="Equation" r:id="rId5" imgW="165100" imgH="165100" progId="Equation.DSMT4">
+                <p:oleObj spid="_x0000_s3119" name="Equation" r:id="rId5" imgW="165100" imgH="165100" progId="Equation.DSMT4">
                   <p:embed/>
                 </p:oleObj>
               </mc:Choice>
@@ -4337,7 +4397,7 @@
           <a:graphicData uri="http://schemas.openxmlformats.org/presentationml/2006/ole">
             <mc:AlternateContent xmlns:mc="http://schemas.openxmlformats.org/markup-compatibility/2006">
               <mc:Choice xmlns:v="urn:schemas-microsoft-com:vml" Requires="v">
-                <p:oleObj spid="_x0000_s3115" name="Equation" r:id="rId7" imgW="1346200" imgH="266700" progId="Equation.DSMT4">
+                <p:oleObj spid="_x0000_s3120" name="Equation" r:id="rId7" imgW="1346200" imgH="266700" progId="Equation.DSMT4">
                   <p:embed/>
                 </p:oleObj>
               </mc:Choice>
@@ -4827,12 +4887,6 @@
               </a:rPr>
               <a:t>::= finite binary words</a:t>
             </a:r>
-            <a:endParaRPr lang="en-US" sz="4400" dirty="0" smtClean="0">
-              <a:solidFill>
-                <a:srgbClr val="000000"/>
-              </a:solidFill>
-              <a:latin typeface="Comic Sans MS"/>
-            </a:endParaRPr>
           </a:p>
           <a:p>
             <a:r>
@@ -4878,31 +4932,16 @@
               <a:rPr lang="en-US" sz="4000" dirty="0" smtClean="0">
                 <a:latin typeface="Comic Sans MS"/>
               </a:rPr>
-              <a:t>B</a:t>
+              <a:t>Bina</a:t>
             </a:r>
             <a:r>
               <a:rPr lang="en-US" sz="4000" dirty="0" smtClean="0">
-                <a:latin typeface="Comic Sans MS"/>
-              </a:rPr>
-              <a:t>ina</a:t>
-            </a:r>
-            <a:r>
-              <a:rPr lang="en-US" sz="4000" dirty="0" smtClean="0">
                 <a:solidFill>
                   <a:schemeClr val="tx1"/>
                 </a:solidFill>
                 <a:latin typeface="Comic Sans MS"/>
               </a:rPr>
-              <a:t>ry words are</a:t>
-            </a:r>
-            <a:r>
-              <a:rPr lang="en-US" sz="4000" dirty="0" smtClean="0">
-                <a:solidFill>
-                  <a:schemeClr val="tx1"/>
-                </a:solidFill>
-                <a:latin typeface="Comic Sans MS"/>
-              </a:rPr>
-              <a:t> countable</a:t>
+              <a:t>ry words are countable</a:t>
             </a:r>
             <a:endParaRPr lang="en-US" sz="4000" dirty="0">
               <a:solidFill>
@@ -4953,27 +4992,7 @@
                 <a:latin typeface="Comic Sans MS"/>
                 <a:cs typeface="Comic Sans MS"/>
               </a:rPr>
-              <a:t>ist the 2 </a:t>
-            </a:r>
-            <a:r>
-              <a:rPr lang="en-US" sz="4000" dirty="0" smtClean="0">
-                <a:solidFill>
-                  <a:srgbClr val="000000"/>
-                </a:solidFill>
-                <a:latin typeface="Comic Sans MS"/>
-                <a:cs typeface="Comic Sans MS"/>
-              </a:rPr>
-              <a:t>length-1 </a:t>
-            </a:r>
-            <a:r>
-              <a:rPr lang="en-US" sz="4000" dirty="0" smtClean="0">
-                <a:solidFill>
-                  <a:srgbClr val="000000"/>
-                </a:solidFill>
-                <a:latin typeface="Comic Sans MS"/>
-                <a:cs typeface="Comic Sans MS"/>
-              </a:rPr>
-              <a:t>bit strings</a:t>
+              <a:t>ist the 2 length-1 bit strings</a:t>
             </a:r>
           </a:p>
         </p:txBody>
@@ -5039,27 +5058,7 @@
                 <a:latin typeface="Comic Sans MS"/>
                 <a:cs typeface="Comic Sans MS"/>
               </a:rPr>
-              <a:t> </a:t>
-            </a:r>
-            <a:r>
-              <a:rPr lang="en-US" sz="4000" dirty="0" smtClean="0">
-                <a:solidFill>
-                  <a:srgbClr val="000000"/>
-                </a:solidFill>
-                <a:latin typeface="Comic Sans MS"/>
-                <a:cs typeface="Comic Sans MS"/>
-              </a:rPr>
-              <a:t>length-2 </a:t>
-            </a:r>
-            <a:r>
-              <a:rPr lang="en-US" sz="4000" dirty="0" smtClean="0">
-                <a:solidFill>
-                  <a:srgbClr val="000000"/>
-                </a:solidFill>
-                <a:latin typeface="Comic Sans MS"/>
-                <a:cs typeface="Comic Sans MS"/>
-              </a:rPr>
-              <a:t>bit strings</a:t>
+              <a:t> length-2 bit strings</a:t>
             </a:r>
           </a:p>
           <a:p>
@@ -5138,27 +5137,7 @@
                 <a:latin typeface="Comic Sans MS"/>
                 <a:cs typeface="Comic Sans MS"/>
               </a:rPr>
-              <a:t> </a:t>
-            </a:r>
-            <a:r>
-              <a:rPr lang="en-US" sz="4000" dirty="0" smtClean="0">
-                <a:solidFill>
-                  <a:srgbClr val="000000"/>
-                </a:solidFill>
-                <a:latin typeface="Comic Sans MS"/>
-                <a:cs typeface="Comic Sans MS"/>
-              </a:rPr>
-              <a:t>length-3 </a:t>
-            </a:r>
-            <a:r>
-              <a:rPr lang="en-US" sz="4000" dirty="0" smtClean="0">
-                <a:solidFill>
-                  <a:srgbClr val="000000"/>
-                </a:solidFill>
-                <a:latin typeface="Comic Sans MS"/>
-                <a:cs typeface="Comic Sans MS"/>
-              </a:rPr>
-              <a:t>bit strings</a:t>
+              <a:t> length-3 bit strings</a:t>
             </a:r>
             <a:endParaRPr lang="en-US" sz="4000" dirty="0">
               <a:solidFill>
@@ -5235,7 +5214,7 @@
                                         <p:tgtEl>
                                           <p:spTgt spid="4">
                                             <p:txEl>
-                                              <p:pRg st="0" end="0"/>
+                                              <p:pRg st="1" end="1"/>
                                             </p:txEl>
                                           </p:spTgt>
                                         </p:tgtEl>
@@ -5253,7 +5232,7 @@
                                         <p:tgtEl>
                                           <p:spTgt spid="4">
                                             <p:txEl>
-                                              <p:pRg st="0" end="0"/>
+                                              <p:pRg st="1" end="1"/>
                                             </p:txEl>
                                           </p:spTgt>
                                         </p:tgtEl>
@@ -5281,7 +5260,7 @@
                             </p:stCondLst>
                             <p:childTnLst>
                               <p:par>
-                                <p:cTn id="10" presetID="10" presetClass="entr" presetSubtype="0" fill="hold" nodeType="clickEffect">
+                                <p:cTn id="10" presetID="22" presetClass="entr" presetSubtype="8" fill="hold" grpId="0" nodeType="clickEffect">
                                   <p:stCondLst>
                                     <p:cond delay="0"/>
                                   </p:stCondLst>
@@ -5294,11 +5273,7 @@
                                           </p:stCondLst>
                                         </p:cTn>
                                         <p:tgtEl>
-                                          <p:spTgt spid="4">
-                                            <p:txEl>
-                                              <p:pRg st="1" end="1"/>
-                                            </p:txEl>
-                                          </p:spTgt>
+                                          <p:spTgt spid="11"/>
                                         </p:tgtEl>
                                         <p:attrNameLst>
                                           <p:attrName>style.visibility</p:attrName>
@@ -5308,15 +5283,11 @@
                                         <p:strVal val="visible"/>
                                       </p:to>
                                     </p:set>
-                                    <p:animEffect transition="in" filter="fade">
+                                    <p:animEffect transition="in" filter="wipe(left)">
                                       <p:cBhvr>
                                         <p:cTn id="12" dur="500"/>
                                         <p:tgtEl>
-                                          <p:spTgt spid="4">
-                                            <p:txEl>
-                                              <p:pRg st="1" end="1"/>
-                                            </p:txEl>
-                                          </p:spTgt>
+                                          <p:spTgt spid="11"/>
                                         </p:tgtEl>
                                       </p:cBhvr>
                                     </p:animEffect>
@@ -5342,7 +5313,7 @@
                             </p:stCondLst>
                             <p:childTnLst>
                               <p:par>
-                                <p:cTn id="15" presetID="22" presetClass="entr" presetSubtype="8" fill="hold" grpId="0" nodeType="clickEffect">
+                                <p:cTn id="15" presetID="22" presetClass="entr" presetSubtype="8" fill="hold" nodeType="clickEffect">
                                   <p:stCondLst>
                                     <p:cond delay="0"/>
                                   </p:stCondLst>
@@ -5355,7 +5326,11 @@
                                           </p:stCondLst>
                                         </p:cTn>
                                         <p:tgtEl>
-                                          <p:spTgt spid="11"/>
+                                          <p:spTgt spid="12">
+                                            <p:txEl>
+                                              <p:pRg st="0" end="0"/>
+                                            </p:txEl>
+                                          </p:spTgt>
                                         </p:tgtEl>
                                         <p:attrNameLst>
                                           <p:attrName>style.visibility</p:attrName>
@@ -5369,7 +5344,11 @@
                                       <p:cBhvr>
                                         <p:cTn id="17" dur="500"/>
                                         <p:tgtEl>
-                                          <p:spTgt spid="11"/>
+                                          <p:spTgt spid="12">
+                                            <p:txEl>
+                                              <p:pRg st="0" end="0"/>
+                                            </p:txEl>
+                                          </p:spTgt>
                                         </p:tgtEl>
                                       </p:cBhvr>
                                     </p:animEffect>
@@ -5395,7 +5374,7 @@
                             </p:stCondLst>
                             <p:childTnLst>
                               <p:par>
-                                <p:cTn id="20" presetID="22" presetClass="entr" presetSubtype="8" fill="hold" nodeType="clickEffect">
+                                <p:cTn id="20" presetID="9" presetClass="entr" presetSubtype="0" fill="hold" nodeType="clickEffect">
                                   <p:stCondLst>
                                     <p:cond delay="0"/>
                                   </p:stCondLst>
@@ -5410,7 +5389,7 @@
                                         <p:tgtEl>
                                           <p:spTgt spid="12">
                                             <p:txEl>
-                                              <p:pRg st="0" end="0"/>
+                                              <p:pRg st="1" end="1"/>
                                             </p:txEl>
                                           </p:spTgt>
                                         </p:tgtEl>
@@ -5422,13 +5401,13 @@
                                         <p:strVal val="visible"/>
                                       </p:to>
                                     </p:set>
-                                    <p:animEffect transition="in" filter="wipe(left)">
+                                    <p:animEffect transition="in" filter="dissolve">
                                       <p:cBhvr>
                                         <p:cTn id="22" dur="500"/>
                                         <p:tgtEl>
                                           <p:spTgt spid="12">
                                             <p:txEl>
-                                              <p:pRg st="0" end="0"/>
+                                              <p:pRg st="1" end="1"/>
                                             </p:txEl>
                                           </p:spTgt>
                                         </p:tgtEl>
@@ -5456,7 +5435,7 @@
                             </p:stCondLst>
                             <p:childTnLst>
                               <p:par>
-                                <p:cTn id="25" presetID="9" presetClass="entr" presetSubtype="0" fill="hold" nodeType="clickEffect">
+                                <p:cTn id="25" presetID="22" presetClass="entr" presetSubtype="8" fill="hold" grpId="0" nodeType="clickEffect">
                                   <p:stCondLst>
                                     <p:cond delay="0"/>
                                   </p:stCondLst>
@@ -5469,9 +5448,9 @@
                                           </p:stCondLst>
                                         </p:cTn>
                                         <p:tgtEl>
-                                          <p:spTgt spid="12">
+                                          <p:spTgt spid="13">
                                             <p:txEl>
-                                              <p:pRg st="1" end="1"/>
+                                              <p:pRg st="0" end="0"/>
                                             </p:txEl>
                                           </p:spTgt>
                                         </p:tgtEl>
@@ -5483,13 +5462,13 @@
                                         <p:strVal val="visible"/>
                                       </p:to>
                                     </p:set>
-                                    <p:animEffect transition="in" filter="dissolve">
+                                    <p:animEffect transition="in" filter="wipe(left)">
                                       <p:cBhvr>
                                         <p:cTn id="27" dur="500"/>
                                         <p:tgtEl>
-                                          <p:spTgt spid="12">
+                                          <p:spTgt spid="13">
                                             <p:txEl>
-                                              <p:pRg st="1" end="1"/>
+                                              <p:pRg st="0" end="0"/>
                                             </p:txEl>
                                           </p:spTgt>
                                         </p:tgtEl>
@@ -5532,7 +5511,7 @@
                                         <p:tgtEl>
                                           <p:spTgt spid="13">
                                             <p:txEl>
-                                              <p:pRg st="0" end="0"/>
+                                              <p:pRg st="1" end="1"/>
                                             </p:txEl>
                                           </p:spTgt>
                                         </p:tgtEl>
@@ -5547,67 +5526,6 @@
                                     <p:animEffect transition="in" filter="wipe(left)">
                                       <p:cBhvr>
                                         <p:cTn id="32" dur="500"/>
-                                        <p:tgtEl>
-                                          <p:spTgt spid="13">
-                                            <p:txEl>
-                                              <p:pRg st="0" end="0"/>
-                                            </p:txEl>
-                                          </p:spTgt>
-                                        </p:tgtEl>
-                                      </p:cBhvr>
-                                    </p:animEffect>
-                                  </p:childTnLst>
-                                </p:cTn>
-                              </p:par>
-                            </p:childTnLst>
-                          </p:cTn>
-                        </p:par>
-                      </p:childTnLst>
-                    </p:cTn>
-                  </p:par>
-                  <p:par>
-                    <p:cTn id="33" fill="hold">
-                      <p:stCondLst>
-                        <p:cond delay="indefinite"/>
-                      </p:stCondLst>
-                      <p:childTnLst>
-                        <p:par>
-                          <p:cTn id="34" fill="hold">
-                            <p:stCondLst>
-                              <p:cond delay="0"/>
-                            </p:stCondLst>
-                            <p:childTnLst>
-                              <p:par>
-                                <p:cTn id="35" presetID="22" presetClass="entr" presetSubtype="8" fill="hold" grpId="0" nodeType="clickEffect">
-                                  <p:stCondLst>
-                                    <p:cond delay="0"/>
-                                  </p:stCondLst>
-                                  <p:childTnLst>
-                                    <p:set>
-                                      <p:cBhvr>
-                                        <p:cTn id="36" dur="1" fill="hold">
-                                          <p:stCondLst>
-                                            <p:cond delay="0"/>
-                                          </p:stCondLst>
-                                        </p:cTn>
-                                        <p:tgtEl>
-                                          <p:spTgt spid="13">
-                                            <p:txEl>
-                                              <p:pRg st="1" end="1"/>
-                                            </p:txEl>
-                                          </p:spTgt>
-                                        </p:tgtEl>
-                                        <p:attrNameLst>
-                                          <p:attrName>style.visibility</p:attrName>
-                                        </p:attrNameLst>
-                                      </p:cBhvr>
-                                      <p:to>
-                                        <p:strVal val="visible"/>
-                                      </p:to>
-                                    </p:set>
-                                    <p:animEffect transition="in" filter="wipe(left)">
-                                      <p:cBhvr>
-                                        <p:cTn id="37" dur="500"/>
                                         <p:tgtEl>
                                           <p:spTgt spid="13">
                                             <p:txEl>
@@ -6035,13 +5953,6 @@
               </a:rPr>
               <a:t> n</a:t>
             </a:r>
-            <a:endParaRPr lang="en-US" sz="4800" dirty="0" smtClean="0">
-              <a:solidFill>
-                <a:srgbClr val="0000FF"/>
-              </a:solidFill>
-              <a:latin typeface="Comic Sans MS"/>
-              <a:cs typeface="Comic Sans MS"/>
-            </a:endParaRPr>
           </a:p>
         </p:txBody>
       </p:sp>
@@ -6067,7 +5978,7 @@
           <a:graphicData uri="http://schemas.openxmlformats.org/presentationml/2006/ole">
             <mc:AlternateContent xmlns:mc="http://schemas.openxmlformats.org/markup-compatibility/2006">
               <mc:Choice xmlns:v="urn:schemas-microsoft-com:vml" Requires="v">
-                <p:oleObj spid="_x0000_s7182" name="Equation" r:id="rId5" imgW="419100" imgH="177800" progId="Equation.DSMT4">
+                <p:oleObj spid="_x0000_s7185" name="Equation" r:id="rId5" imgW="419100" imgH="177800" progId="Equation.DSMT4">
                   <p:embed/>
                 </p:oleObj>
               </mc:Choice>
@@ -6683,14 +6594,7 @@
                 <a:latin typeface="Comic Sans MS" pitchFamily="66" charset="0"/>
                 <a:cs typeface="Comic Sans MS"/>
               </a:rPr>
-              <a:t> </a:t>
-            </a:r>
-            <a:r>
-              <a:rPr lang="en-US" sz="5400" kern="0" dirty="0" smtClean="0">
-                <a:latin typeface="Comic Sans MS" pitchFamily="66" charset="0"/>
-                <a:cs typeface="Comic Sans MS"/>
-              </a:rPr>
-              <a:t>allowing</a:t>
+              <a:t> allowing</a:t>
             </a:r>
             <a:r>
               <a:rPr lang="en-US" sz="5400" kern="0" dirty="0" smtClean="0">
@@ -6806,7 +6710,7 @@
             <a:graphicData uri="http://schemas.openxmlformats.org/presentationml/2006/ole">
               <mc:AlternateContent xmlns:mc="http://schemas.openxmlformats.org/markup-compatibility/2006">
                 <mc:Choice xmlns:v="urn:schemas-microsoft-com:vml" Requires="v">
-                  <p:oleObj spid="_x0000_s9221" name="Equation" r:id="rId5" imgW="165100" imgH="165100" progId="Equation.DSMT4">
+                  <p:oleObj spid="_x0000_s9224" name="Equation" r:id="rId5" imgW="165100" imgH="165100" progId="Equation.DSMT4">
                     <p:embed/>
                   </p:oleObj>
                 </mc:Choice>
@@ -6977,13 +6881,6 @@
               </a:rPr>
               <a:t>C</a:t>
             </a:r>
-            <a:endParaRPr lang="en-US" sz="5400" dirty="0" smtClean="0">
-              <a:solidFill>
-                <a:srgbClr val="0000FF"/>
-              </a:solidFill>
-              <a:latin typeface="Comic Sans MS"/>
-              <a:cs typeface="Comic Sans MS"/>
-            </a:endParaRPr>
           </a:p>
         </p:txBody>
       </p:sp>
@@ -7436,7 +7333,7 @@
           <a:graphicData uri="http://schemas.openxmlformats.org/presentationml/2006/ole">
             <mc:AlternateContent xmlns:mc="http://schemas.openxmlformats.org/markup-compatibility/2006">
               <mc:Choice xmlns:v="urn:schemas-microsoft-com:vml" Requires="v">
-                <p:oleObj spid="_x0000_s8218" name="Equation" r:id="rId5" imgW="431800" imgH="431800" progId="Equation.DSMT4">
+                <p:oleObj spid="_x0000_s8227" name="Equation" r:id="rId5" imgW="431800" imgH="431800" progId="Equation.DSMT4">
                   <p:embed/>
                 </p:oleObj>
               </mc:Choice>
@@ -7505,15 +7402,7 @@
                   <a:srgbClr val="000000"/>
                 </a:solidFill>
               </a:rPr>
-              <a:t> </a:t>
-            </a:r>
-            <a:r>
-              <a:rPr lang="en-US" sz="4400" dirty="0" smtClean="0">
-                <a:solidFill>
-                  <a:srgbClr val="000000"/>
-                </a:solidFill>
-              </a:rPr>
-              <a:t>are countable</a:t>
+              <a:t> are countable</a:t>
             </a:r>
             <a:endParaRPr lang="en-US" sz="4400" dirty="0">
               <a:solidFill>
@@ -7545,7 +7434,7 @@
           <a:graphicData uri="http://schemas.openxmlformats.org/presentationml/2006/ole">
             <mc:AlternateContent xmlns:mc="http://schemas.openxmlformats.org/markup-compatibility/2006">
               <mc:Choice xmlns:v="urn:schemas-microsoft-com:vml" Requires="v">
-                <p:oleObj spid="_x0000_s8219" name="Equation" r:id="rId7" imgW="1193800" imgH="266700" progId="Equation.DSMT4">
+                <p:oleObj spid="_x0000_s8228" name="Equation" r:id="rId7" imgW="1193800" imgH="266700" progId="Equation.DSMT4">
                   <p:embed/>
                 </p:oleObj>
               </mc:Choice>
@@ -7666,13 +7555,6 @@
                 </a:rPr>
                 <a:t>to </a:t>
               </a:r>
-              <a:endParaRPr lang="en-US" sz="6000" dirty="0" smtClean="0">
-                <a:solidFill>
-                  <a:srgbClr val="000000"/>
-                </a:solidFill>
-                <a:latin typeface="Comic Sans MS"/>
-                <a:cs typeface="Comic Sans MS"/>
-              </a:endParaRPr>
             </a:p>
           </p:txBody>
         </p:sp>
@@ -7698,7 +7580,7 @@
             <a:graphicData uri="http://schemas.openxmlformats.org/presentationml/2006/ole">
               <mc:AlternateContent xmlns:mc="http://schemas.openxmlformats.org/markup-compatibility/2006">
                 <mc:Choice xmlns:v="urn:schemas-microsoft-com:vml" Requires="v">
-                  <p:oleObj spid="_x0000_s8220" name="Equation" r:id="rId9" imgW="190500" imgH="469900" progId="Equation.DSMT4">
+                  <p:oleObj spid="_x0000_s8229" name="Equation" r:id="rId9" imgW="190500" imgH="469900" progId="Equation.DSMT4">
                     <p:embed/>
                   </p:oleObj>
                 </mc:Choice>
@@ -7756,7 +7638,7 @@
           <a:graphicData uri="http://schemas.openxmlformats.org/presentationml/2006/ole">
             <mc:AlternateContent xmlns:mc="http://schemas.openxmlformats.org/markup-compatibility/2006">
               <mc:Choice xmlns:v="urn:schemas-microsoft-com:vml" Requires="v">
-                <p:oleObj spid="_x0000_s8221" name="Equation" r:id="rId11" imgW="431800" imgH="431800" progId="Equation.DSMT4">
+                <p:oleObj spid="_x0000_s8230" name="Equation" r:id="rId11" imgW="431800" imgH="431800" progId="Equation.DSMT4">
                   <p:embed/>
                 </p:oleObj>
               </mc:Choice>
@@ -7823,13 +7705,6 @@
               </a:rPr>
               <a:t>so</a:t>
             </a:r>
-            <a:endParaRPr lang="en-US" sz="4800" dirty="0" smtClean="0">
-              <a:solidFill>
-                <a:srgbClr val="000000"/>
-              </a:solidFill>
-              <a:latin typeface="Comic Sans MS"/>
-              <a:cs typeface="Comic Sans MS"/>
-            </a:endParaRPr>
           </a:p>
         </p:txBody>
       </p:sp>
@@ -8151,7 +8026,7 @@
 </file>
 
 <file path=ppt/slides/slide15.xml><?xml version="1.0" encoding="utf-8"?>
-<p:sld xmlns:a="http://schemas.openxmlformats.org/drawingml/2006/main" xmlns:r="http://schemas.openxmlformats.org/officeDocument/2006/relationships" xmlns:p="http://schemas.openxmlformats.org/presentationml/2006/main">
+<p:sld xmlns:a="http://schemas.openxmlformats.org/drawingml/2006/main" xmlns:r="http://schemas.openxmlformats.org/officeDocument/2006/relationships" xmlns:p="http://schemas.openxmlformats.org/presentationml/2006/main" show="0">
   <p:cSld>
     <p:spTree>
       <p:nvGrpSpPr>
@@ -8197,55 +8072,28 @@
                 <a:latin typeface="Comic Sans MS"/>
                 <a:cs typeface="Comic Sans MS"/>
               </a:rPr>
-              <a:t>But </a:t>
+              <a:t>But the </a:t>
             </a:r>
             <a:r>
               <a:rPr lang="en-US" sz="6000" dirty="0" smtClean="0">
                 <a:solidFill>
+                  <a:srgbClr val="0000FF"/>
+                </a:solidFill>
+                <a:latin typeface="Comic Sans MS"/>
+                <a:cs typeface="Comic Sans MS"/>
+              </a:rPr>
+              <a:t>real numbers</a:t>
+            </a:r>
+            <a:r>
+              <a:rPr lang="en-US" sz="6000" dirty="0" smtClean="0">
+                <a:solidFill>
                   <a:srgbClr val="000000"/>
                 </a:solidFill>
                 <a:latin typeface="Comic Sans MS"/>
                 <a:cs typeface="Comic Sans MS"/>
               </a:rPr>
-              <a:t>the </a:t>
-            </a:r>
-            <a:r>
-              <a:rPr lang="en-US" sz="6000" dirty="0" smtClean="0">
-                <a:solidFill>
-                  <a:srgbClr val="0000FF"/>
-                </a:solidFill>
-                <a:latin typeface="Comic Sans MS"/>
-                <a:cs typeface="Comic Sans MS"/>
-              </a:rPr>
-              <a:t>real </a:t>
-            </a:r>
-            <a:r>
-              <a:rPr lang="en-US" sz="6000" dirty="0" smtClean="0">
-                <a:solidFill>
-                  <a:srgbClr val="0000FF"/>
-                </a:solidFill>
-                <a:latin typeface="Comic Sans MS"/>
-                <a:cs typeface="Comic Sans MS"/>
-              </a:rPr>
-              <a:t>numbers</a:t>
-            </a:r>
-            <a:r>
-              <a:rPr lang="en-US" sz="6000" dirty="0" smtClean="0">
-                <a:solidFill>
-                  <a:srgbClr val="000000"/>
-                </a:solidFill>
-                <a:latin typeface="Comic Sans MS"/>
-                <a:cs typeface="Comic Sans MS"/>
-              </a:rPr>
               <a:t>  </a:t>
             </a:r>
-            <a:endParaRPr lang="en-US" sz="6000" dirty="0" smtClean="0">
-              <a:solidFill>
-                <a:srgbClr val="000000"/>
-              </a:solidFill>
-              <a:latin typeface="Comic Sans MS"/>
-              <a:cs typeface="Comic Sans MS"/>
-            </a:endParaRPr>
           </a:p>
           <a:p>
             <a:r>
@@ -8276,17 +8124,7 @@
                 <a:latin typeface="Comic Sans MS"/>
                 <a:cs typeface="Comic Sans MS"/>
               </a:rPr>
-              <a:t> </a:t>
-            </a:r>
-            <a:r>
-              <a:rPr lang="en-US" sz="6000" dirty="0" smtClean="0">
-                <a:solidFill>
-                  <a:srgbClr val="000000"/>
-                </a:solidFill>
-                <a:latin typeface="Comic Sans MS"/>
-                <a:cs typeface="Comic Sans MS"/>
-              </a:rPr>
-              <a:t>countable</a:t>
+              <a:t> countable</a:t>
             </a:r>
           </a:p>
           <a:p>
@@ -8318,17 +8156,7 @@
                 <a:latin typeface="Comic Sans MS"/>
                 <a:cs typeface="Comic Sans MS"/>
               </a:rPr>
-              <a:t>shown next </a:t>
-            </a:r>
-            <a:r>
-              <a:rPr lang="en-US" sz="6000" dirty="0" smtClean="0">
-                <a:solidFill>
-                  <a:srgbClr val="000000"/>
-                </a:solidFill>
-                <a:latin typeface="Comic Sans MS"/>
-                <a:cs typeface="Comic Sans MS"/>
-              </a:rPr>
-              <a:t>lecture.</a:t>
+              <a:t>shown next lecture.</a:t>
             </a:r>
           </a:p>
         </p:txBody>
@@ -8367,15 +8195,7 @@
                   <a:srgbClr val="000000"/>
                 </a:solidFill>
               </a:rPr>
-              <a:t> </a:t>
-            </a:r>
-            <a:r>
-              <a:rPr lang="en-US" sz="4400" dirty="0" smtClean="0">
-                <a:solidFill>
-                  <a:srgbClr val="000000"/>
-                </a:solidFill>
-              </a:rPr>
-              <a:t>are countable</a:t>
+              <a:t> are countable</a:t>
             </a:r>
             <a:endParaRPr lang="en-US" sz="4400" dirty="0">
               <a:solidFill>
@@ -8407,7 +8227,7 @@
           <a:graphicData uri="http://schemas.openxmlformats.org/presentationml/2006/ole">
             <mc:AlternateContent xmlns:mc="http://schemas.openxmlformats.org/markup-compatibility/2006">
               <mc:Choice xmlns:v="urn:schemas-microsoft-com:vml" Requires="v">
-                <p:oleObj spid="_x0000_s10242" name="Equation" r:id="rId5" imgW="165100" imgH="165100" progId="Equation.DSMT4">
+                <p:oleObj spid="_x0000_s10246" name="Equation" r:id="rId5" imgW="165100" imgH="165100" progId="Equation.DSMT4">
                   <p:embed/>
                 </p:oleObj>
               </mc:Choice>
@@ -8455,13 +8275,13 @@
   <p:clrMapOvr>
     <a:masterClrMapping/>
   </p:clrMapOvr>
-  <mc:AlternateContent xmlns:mc="http://schemas.openxmlformats.org/markup-compatibility/2006" xmlns:p14="http://schemas.microsoft.com/office/powerpoint/2010/main">
-    <mc:Choice Requires="p14">
+  <mc:AlternateContent xmlns:mc="http://schemas.openxmlformats.org/markup-compatibility/2006">
+    <mc:Choice xmlns:p14="http://schemas.microsoft.com/office/powerpoint/2010/main" Requires="p14">
       <p:transition spd="med" p14:dur="700" advClick="0">
         <p:fade/>
       </p:transition>
     </mc:Choice>
-    <mc:Fallback xmlns="">
+    <mc:Fallback>
       <p:transition xmlns:p14="http://schemas.microsoft.com/office/powerpoint/2010/main" spd="med" advClick="0">
         <p:fade/>
       </p:transition>
@@ -8522,6 +8342,445 @@
                                           <p:spTgt spid="3">
                                             <p:txEl>
                                               <p:pRg st="2" end="2"/>
+                                            </p:txEl>
+                                          </p:spTgt>
+                                        </p:tgtEl>
+                                      </p:cBhvr>
+                                    </p:animEffect>
+                                  </p:childTnLst>
+                                </p:cTn>
+                              </p:par>
+                            </p:childTnLst>
+                          </p:cTn>
+                        </p:par>
+                      </p:childTnLst>
+                    </p:cTn>
+                  </p:par>
+                </p:childTnLst>
+              </p:cTn>
+              <p:prevCondLst>
+                <p:cond evt="onPrev" delay="0">
+                  <p:tgtEl>
+                    <p:sldTgt/>
+                  </p:tgtEl>
+                </p:cond>
+              </p:prevCondLst>
+              <p:nextCondLst>
+                <p:cond evt="onNext" delay="0">
+                  <p:tgtEl>
+                    <p:sldTgt/>
+                  </p:tgtEl>
+                </p:cond>
+              </p:nextCondLst>
+            </p:seq>
+          </p:childTnLst>
+        </p:cTn>
+      </p:par>
+    </p:tnLst>
+  </p:timing>
+</p:sld>
+</file>
+
+<file path=ppt/slides/slide16.xml><?xml version="1.0" encoding="utf-8"?>
+<p:sld xmlns:a="http://schemas.openxmlformats.org/drawingml/2006/main" xmlns:r="http://schemas.openxmlformats.org/officeDocument/2006/relationships" xmlns:p="http://schemas.openxmlformats.org/presentationml/2006/main">
+  <p:cSld>
+    <p:spTree>
+      <p:nvGrpSpPr>
+        <p:cNvPr id="1" name=""/>
+        <p:cNvGrpSpPr/>
+        <p:nvPr/>
+      </p:nvGrpSpPr>
+      <p:grpSpPr>
+        <a:xfrm>
+          <a:off x="0" y="0"/>
+          <a:ext cx="0" cy="0"/>
+          <a:chOff x="0" y="0"/>
+          <a:chExt cx="0" cy="0"/>
+        </a:xfrm>
+      </p:grpSpPr>
+      <p:sp>
+        <p:nvSpPr>
+          <p:cNvPr id="3" name="TextBox 2"/>
+          <p:cNvSpPr txBox="1"/>
+          <p:nvPr/>
+        </p:nvSpPr>
+        <p:spPr>
+          <a:xfrm>
+            <a:off x="908771" y="1346746"/>
+            <a:ext cx="7326457" cy="4154983"/>
+          </a:xfrm>
+          <a:prstGeom prst="rect">
+            <a:avLst/>
+          </a:prstGeom>
+          <a:noFill/>
+        </p:spPr>
+        <p:txBody>
+          <a:bodyPr wrap="none" rtlCol="0">
+            <a:spAutoFit/>
+          </a:bodyPr>
+          <a:lstStyle/>
+          <a:p>
+            <a:r>
+              <a:rPr lang="en-US" sz="6600" dirty="0" smtClean="0">
+                <a:solidFill>
+                  <a:srgbClr val="000000"/>
+                </a:solidFill>
+                <a:latin typeface="Comic Sans MS"/>
+                <a:cs typeface="Comic Sans MS"/>
+              </a:rPr>
+              <a:t>But </a:t>
+            </a:r>
+            <a:r>
+              <a:rPr lang="en-US" sz="6600" dirty="0">
+                <a:solidFill>
+                  <a:srgbClr val="0000FF"/>
+                </a:solidFill>
+                <a:latin typeface="Comic Sans MS" pitchFamily="66" charset="0"/>
+                <a:cs typeface="Comic Sans MS"/>
+              </a:rPr>
+              <a:t>{0,1}</a:t>
+            </a:r>
+            <a:r>
+              <a:rPr lang="en-US" sz="6600" b="1" baseline="30000" dirty="0" err="1" smtClean="0">
+                <a:solidFill>
+                  <a:srgbClr val="0000FF"/>
+                </a:solidFill>
+                <a:latin typeface="Euclid Symbol" charset="2"/>
+                <a:cs typeface="Comic Sans MS"/>
+              </a:rPr>
+              <a:t>ω</a:t>
+            </a:r>
+            <a:r>
+              <a:rPr lang="en-US" sz="6600" b="1" baseline="30000" dirty="0" smtClean="0">
+                <a:solidFill>
+                  <a:srgbClr val="0000FF"/>
+                </a:solidFill>
+                <a:latin typeface="Euclid Symbol" charset="2"/>
+                <a:cs typeface="Comic Sans MS"/>
+              </a:rPr>
+              <a:t>  </a:t>
+            </a:r>
+            <a:r>
+              <a:rPr lang="en-US" sz="6600" dirty="0" smtClean="0">
+                <a:solidFill>
+                  <a:srgbClr val="000000"/>
+                </a:solidFill>
+                <a:latin typeface="Comic Sans MS"/>
+                <a:cs typeface="Comic Sans MS"/>
+              </a:rPr>
+              <a:t>and the</a:t>
+            </a:r>
+          </a:p>
+          <a:p>
+            <a:r>
+              <a:rPr lang="en-US" sz="6600" dirty="0" smtClean="0">
+                <a:solidFill>
+                  <a:srgbClr val="0000FF"/>
+                </a:solidFill>
+                <a:latin typeface="Comic Sans MS"/>
+                <a:cs typeface="Comic Sans MS"/>
+              </a:rPr>
+              <a:t>real </a:t>
+            </a:r>
+            <a:r>
+              <a:rPr lang="en-US" sz="6600" dirty="0" smtClean="0">
+                <a:solidFill>
+                  <a:srgbClr val="0000FF"/>
+                </a:solidFill>
+                <a:latin typeface="Comic Sans MS"/>
+                <a:cs typeface="Comic Sans MS"/>
+              </a:rPr>
+              <a:t>numbers</a:t>
+            </a:r>
+            <a:r>
+              <a:rPr lang="en-US" sz="6600" dirty="0" smtClean="0">
+                <a:solidFill>
+                  <a:srgbClr val="000000"/>
+                </a:solidFill>
+                <a:latin typeface="Comic Sans MS"/>
+                <a:cs typeface="Comic Sans MS"/>
+              </a:rPr>
+              <a:t>  </a:t>
+            </a:r>
+          </a:p>
+          <a:p>
+            <a:r>
+              <a:rPr lang="en-US" sz="6600" dirty="0" smtClean="0">
+                <a:solidFill>
+                  <a:srgbClr val="000000"/>
+                </a:solidFill>
+                <a:latin typeface="Comic Sans MS"/>
+                <a:cs typeface="Comic Sans MS"/>
+              </a:rPr>
+              <a:t>are </a:t>
+            </a:r>
+            <a:r>
+              <a:rPr lang="en-US" sz="6600" dirty="0" smtClean="0">
+                <a:solidFill>
+                  <a:srgbClr val="FF0000"/>
+                </a:solidFill>
+                <a:latin typeface="Comic Sans MS"/>
+                <a:cs typeface="Comic Sans MS"/>
+              </a:rPr>
+              <a:t>not</a:t>
+            </a:r>
+            <a:r>
+              <a:rPr lang="en-US" sz="6600" dirty="0" smtClean="0">
+                <a:solidFill>
+                  <a:srgbClr val="000000"/>
+                </a:solidFill>
+                <a:latin typeface="Comic Sans MS"/>
+                <a:cs typeface="Comic Sans MS"/>
+              </a:rPr>
+              <a:t> </a:t>
+            </a:r>
+            <a:r>
+              <a:rPr lang="en-US" sz="6600" dirty="0" smtClean="0">
+                <a:solidFill>
+                  <a:srgbClr val="000000"/>
+                </a:solidFill>
+                <a:latin typeface="Comic Sans MS"/>
+                <a:cs typeface="Comic Sans MS"/>
+              </a:rPr>
+              <a:t>countable:</a:t>
+            </a:r>
+            <a:endParaRPr lang="en-US" sz="6600" dirty="0" smtClean="0">
+              <a:solidFill>
+                <a:srgbClr val="000000"/>
+              </a:solidFill>
+              <a:latin typeface="Comic Sans MS"/>
+              <a:cs typeface="Comic Sans MS"/>
+            </a:endParaRPr>
+          </a:p>
+          <a:p>
+            <a:r>
+              <a:rPr lang="en-US" sz="6600" dirty="0" smtClean="0">
+                <a:solidFill>
+                  <a:srgbClr val="000000"/>
+                </a:solidFill>
+                <a:latin typeface="Comic Sans MS"/>
+                <a:cs typeface="Comic Sans MS"/>
+              </a:rPr>
+              <a:t>next </a:t>
+            </a:r>
+            <a:r>
+              <a:rPr lang="en-US" sz="6600" dirty="0" smtClean="0">
+                <a:solidFill>
+                  <a:srgbClr val="000000"/>
+                </a:solidFill>
+                <a:latin typeface="Comic Sans MS"/>
+                <a:cs typeface="Comic Sans MS"/>
+              </a:rPr>
+              <a:t>lecture.</a:t>
+            </a:r>
+          </a:p>
+        </p:txBody>
+      </p:sp>
+      <p:sp>
+        <p:nvSpPr>
+          <p:cNvPr id="5" name="Title 1"/>
+          <p:cNvSpPr>
+            <a:spLocks noGrp="1"/>
+          </p:cNvSpPr>
+          <p:nvPr>
+            <p:ph type="title"/>
+          </p:nvPr>
+        </p:nvSpPr>
+        <p:spPr>
+          <a:xfrm>
+            <a:off x="1400480" y="363537"/>
+            <a:ext cx="7637004" cy="1078527"/>
+          </a:xfrm>
+        </p:spPr>
+        <p:txBody>
+          <a:bodyPr/>
+          <a:lstStyle/>
+          <a:p>
+            <a:r>
+              <a:rPr lang="en-US" sz="4400" dirty="0" err="1" smtClean="0">
+                <a:solidFill>
+                  <a:srgbClr val="000000"/>
+                </a:solidFill>
+              </a:rPr>
+              <a:t>Reals</a:t>
+            </a:r>
+            <a:r>
+              <a:rPr lang="en-US" sz="4400" dirty="0" smtClean="0">
+                <a:solidFill>
+                  <a:srgbClr val="000000"/>
+                </a:solidFill>
+              </a:rPr>
+              <a:t> </a:t>
+            </a:r>
+            <a:r>
+              <a:rPr lang="en-US" sz="4400" dirty="0" smtClean="0">
+                <a:solidFill>
+                  <a:srgbClr val="000000"/>
+                </a:solidFill>
+              </a:rPr>
+              <a:t>are </a:t>
+            </a:r>
+            <a:r>
+              <a:rPr lang="en-US" sz="4400" dirty="0" smtClean="0">
+                <a:solidFill>
+                  <a:srgbClr val="FF0000"/>
+                </a:solidFill>
+              </a:rPr>
+              <a:t>un</a:t>
+            </a:r>
+            <a:r>
+              <a:rPr lang="en-US" sz="4400" dirty="0" smtClean="0">
+                <a:solidFill>
+                  <a:srgbClr val="000000"/>
+                </a:solidFill>
+              </a:rPr>
+              <a:t>countable</a:t>
+            </a:r>
+            <a:endParaRPr lang="en-US" sz="4400" dirty="0">
+              <a:solidFill>
+                <a:srgbClr val="000000"/>
+              </a:solidFill>
+            </a:endParaRPr>
+          </a:p>
+        </p:txBody>
+      </p:sp>
+      <p:graphicFrame>
+        <p:nvGraphicFramePr>
+          <p:cNvPr id="4" name="Object 3"/>
+          <p:cNvGraphicFramePr>
+            <a:graphicFrameLocks noChangeAspect="1"/>
+          </p:cNvGraphicFramePr>
+          <p:nvPr>
+            <p:extLst>
+              <p:ext uri="{D42A27DB-BD31-4B8C-83A1-F6EECF244321}">
+                <p14:modId xmlns:p14="http://schemas.microsoft.com/office/powerpoint/2010/main" val="4274243095"/>
+              </p:ext>
+            </p:extLst>
+          </p:nvPr>
+        </p:nvGraphicFramePr>
+        <p:xfrm>
+          <a:off x="6297965" y="2263396"/>
+          <a:ext cx="1139563" cy="1139563"/>
+        </p:xfrm>
+        <a:graphic>
+          <a:graphicData uri="http://schemas.openxmlformats.org/presentationml/2006/ole">
+            <mc:AlternateContent xmlns:mc="http://schemas.openxmlformats.org/markup-compatibility/2006">
+              <mc:Choice xmlns:v="urn:schemas-microsoft-com:vml" Requires="v">
+                <p:oleObj spid="_x0000_s12291" name="Equation" r:id="rId5" imgW="165100" imgH="165100" progId="Equation.DSMT4">
+                  <p:embed/>
+                </p:oleObj>
+              </mc:Choice>
+              <mc:Fallback>
+                <p:oleObj name="Equation" r:id="rId5" imgW="165100" imgH="165100" progId="Equation.DSMT4">
+                  <p:embed/>
+                  <p:pic>
+                    <p:nvPicPr>
+                      <p:cNvPr id="0" name=""/>
+                      <p:cNvPicPr/>
+                      <p:nvPr/>
+                    </p:nvPicPr>
+                    <p:blipFill>
+                      <a:blip r:embed="rId6"/>
+                      <a:stretch>
+                        <a:fillRect/>
+                      </a:stretch>
+                    </p:blipFill>
+                    <p:spPr>
+                      <a:xfrm>
+                        <a:off x="6297965" y="2263396"/>
+                        <a:ext cx="1139563" cy="1139563"/>
+                      </a:xfrm>
+                      <a:prstGeom prst="rect">
+                        <a:avLst/>
+                      </a:prstGeom>
+                    </p:spPr>
+                  </p:pic>
+                </p:oleObj>
+              </mc:Fallback>
+            </mc:AlternateContent>
+          </a:graphicData>
+        </a:graphic>
+      </p:graphicFrame>
+    </p:spTree>
+    <p:custDataLst>
+      <p:tags r:id="rId2"/>
+    </p:custDataLst>
+    <p:extLst>
+      <p:ext uri="{BB962C8B-B14F-4D97-AF65-F5344CB8AC3E}">
+        <p14:creationId xmlns:p14="http://schemas.microsoft.com/office/powerpoint/2010/main" val="3243071866"/>
+      </p:ext>
+    </p:extLst>
+  </p:cSld>
+  <p:clrMapOvr>
+    <a:masterClrMapping/>
+  </p:clrMapOvr>
+  <mc:AlternateContent xmlns:mc="http://schemas.openxmlformats.org/markup-compatibility/2006">
+    <mc:Choice xmlns:p14="http://schemas.microsoft.com/office/powerpoint/2010/main" Requires="p14">
+      <p:transition spd="slow" p14:dur="1100" advClick="0">
+        <p:fade/>
+      </p:transition>
+    </mc:Choice>
+    <mc:Fallback>
+      <p:transition xmlns:p14="http://schemas.microsoft.com/office/powerpoint/2010/main" spd="slow" advClick="0">
+        <p:fade/>
+      </p:transition>
+    </mc:Fallback>
+  </mc:AlternateContent>
+  <p:timing>
+    <p:tnLst>
+      <p:par>
+        <p:cTn xmlns:p14="http://schemas.microsoft.com/office/powerpoint/2010/main" id="1" dur="indefinite" restart="never" nodeType="tmRoot">
+          <p:childTnLst>
+            <p:seq concurrent="1" nextAc="seek">
+              <p:cTn id="2" dur="indefinite" nodeType="mainSeq">
+                <p:childTnLst>
+                  <p:par>
+                    <p:cTn id="3" fill="hold">
+                      <p:stCondLst>
+                        <p:cond delay="indefinite"/>
+                      </p:stCondLst>
+                      <p:childTnLst>
+                        <p:par>
+                          <p:cTn id="4" fill="hold">
+                            <p:stCondLst>
+                              <p:cond delay="0"/>
+                            </p:stCondLst>
+                            <p:childTnLst>
+                              <p:par>
+                                <p:cTn id="5" presetID="9" presetClass="entr" presetSubtype="0" fill="hold" nodeType="clickEffect">
+                                  <p:stCondLst>
+                                    <p:cond delay="0"/>
+                                  </p:stCondLst>
+                                  <p:childTnLst>
+                                    <p:set>
+                                      <p:cBhvr>
+                                        <p:cTn id="6" dur="1" fill="hold">
+                                          <p:stCondLst>
+                                            <p:cond delay="0"/>
+                                          </p:stCondLst>
+                                        </p:cTn>
+                                        <p:tgtEl>
+                                          <p:spTgt spid="3">
+                                            <p:txEl>
+                                              <p:pRg st="3" end="3"/>
+                                            </p:txEl>
+                                          </p:spTgt>
+                                        </p:tgtEl>
+                                        <p:attrNameLst>
+                                          <p:attrName>style.visibility</p:attrName>
+                                        </p:attrNameLst>
+                                      </p:cBhvr>
+                                      <p:to>
+                                        <p:strVal val="visible"/>
+                                      </p:to>
+                                    </p:set>
+                                    <p:animEffect transition="in" filter="dissolve">
+                                      <p:cBhvr>
+                                        <p:cTn id="7" dur="1000"/>
+                                        <p:tgtEl>
+                                          <p:spTgt spid="3">
+                                            <p:txEl>
+                                              <p:pRg st="3" end="3"/>
                                             </p:txEl>
                                           </p:spTgt>
                                         </p:tgtEl>
@@ -10102,7 +10361,7 @@
           <a:graphicData uri="http://schemas.openxmlformats.org/presentationml/2006/ole">
             <mc:AlternateContent xmlns:mc="http://schemas.openxmlformats.org/markup-compatibility/2006">
               <mc:Choice xmlns:v="urn:schemas-microsoft-com:vml" Requires="v">
-                <p:oleObj spid="_x0000_s4142" name="Equation" r:id="rId5" imgW="1003300" imgH="330200" progId="Equation.DSMT4">
+                <p:oleObj spid="_x0000_s4149" name="Equation" r:id="rId5" imgW="1003300" imgH="330200" progId="Equation.DSMT4">
                   <p:embed/>
                 </p:oleObj>
               </mc:Choice>
@@ -10159,7 +10418,7 @@
           <a:graphicData uri="http://schemas.openxmlformats.org/presentationml/2006/ole">
             <mc:AlternateContent xmlns:mc="http://schemas.openxmlformats.org/markup-compatibility/2006">
               <mc:Choice xmlns:v="urn:schemas-microsoft-com:vml" Requires="v">
-                <p:oleObj spid="_x0000_s4143" name="Equation" r:id="rId7" imgW="546100" imgH="228600" progId="Equation.DSMT4">
+                <p:oleObj spid="_x0000_s4150" name="Equation" r:id="rId7" imgW="546100" imgH="228600" progId="Equation.DSMT4">
                   <p:embed/>
                 </p:oleObj>
               </mc:Choice>
@@ -10216,7 +10475,7 @@
           <a:graphicData uri="http://schemas.openxmlformats.org/presentationml/2006/ole">
             <mc:AlternateContent xmlns:mc="http://schemas.openxmlformats.org/markup-compatibility/2006">
               <mc:Choice xmlns:v="urn:schemas-microsoft-com:vml" Requires="v">
-                <p:oleObj spid="_x0000_s4144" name="Equation" r:id="rId9" imgW="546100" imgH="228600" progId="Equation.DSMT4">
+                <p:oleObj spid="_x0000_s4151" name="Equation" r:id="rId9" imgW="546100" imgH="228600" progId="Equation.DSMT4">
                   <p:embed/>
                 </p:oleObj>
               </mc:Choice>
@@ -12584,13 +12843,13 @@
   <p:clrMapOvr>
     <a:masterClrMapping/>
   </p:clrMapOvr>
-  <mc:AlternateContent xmlns:mc="http://schemas.openxmlformats.org/markup-compatibility/2006">
-    <mc:Choice xmlns:p14="http://schemas.microsoft.com/office/powerpoint/2010/main" Requires="p14">
+  <mc:AlternateContent xmlns:mc="http://schemas.openxmlformats.org/markup-compatibility/2006" xmlns:p14="http://schemas.microsoft.com/office/powerpoint/2010/main">
+    <mc:Choice Requires="p14">
       <p:transition spd="slow" p14:dur="900" advClick="0">
         <p:fade/>
       </p:transition>
     </mc:Choice>
-    <mc:Fallback>
+    <mc:Fallback xmlns="">
       <p:transition xmlns:p14="http://schemas.microsoft.com/office/powerpoint/2010/main" spd="slow" advClick="0">
         <p:fade/>
       </p:transition>
@@ -13331,18 +13590,9 @@
   <p:clrMapOvr>
     <a:masterClrMapping/>
   </p:clrMapOvr>
-  <mc:AlternateContent xmlns:mc="http://schemas.openxmlformats.org/markup-compatibility/2006">
-    <mc:Choice xmlns:p14="http://schemas.microsoft.com/office/powerpoint/2010/main" Requires="p14">
-      <p:transition spd="med" p14:dur="700" advClick="0">
-        <p:fade/>
-      </p:transition>
-    </mc:Choice>
-    <mc:Fallback>
-      <p:transition xmlns:p14="http://schemas.microsoft.com/office/powerpoint/2010/main" spd="med" advClick="0">
-        <p:fade/>
-      </p:transition>
-    </mc:Fallback>
-  </mc:AlternateContent>
+  <p:transition xmlns:p14="http://schemas.microsoft.com/office/powerpoint/2010/main" spd="slow" advClick="0">
+    <p:fade/>
+  </p:transition>
   <p:timing>
     <p:tnLst>
       <p:par>
@@ -13364,7 +13614,7 @@
                             </p:stCondLst>
                             <p:childTnLst>
                               <p:par>
-                                <p:cTn id="5" presetID="22" presetClass="entr" presetSubtype="8" fill="hold" nodeType="clickEffect">
+                                <p:cTn id="5" presetID="10" presetClass="entr" presetSubtype="0" fill="hold" grpId="0" nodeType="clickEffect">
                                   <p:stCondLst>
                                     <p:cond delay="0"/>
                                   </p:stCondLst>
@@ -13377,11 +13627,7 @@
                                           </p:stCondLst>
                                         </p:cTn>
                                         <p:tgtEl>
-                                          <p:spTgt spid="11">
-                                            <p:txEl>
-                                              <p:pRg st="0" end="0"/>
-                                            </p:txEl>
-                                          </p:spTgt>
+                                          <p:spTgt spid="10"/>
                                         </p:tgtEl>
                                         <p:attrNameLst>
                                           <p:attrName>style.visibility</p:attrName>
@@ -13391,15 +13637,11 @@
                                         <p:strVal val="visible"/>
                                       </p:to>
                                     </p:set>
-                                    <p:animEffect transition="in" filter="wipe(left)">
+                                    <p:animEffect transition="in" filter="fade">
                                       <p:cBhvr>
-                                        <p:cTn id="7" dur="2000"/>
+                                        <p:cTn id="7" dur="500"/>
                                         <p:tgtEl>
-                                          <p:spTgt spid="11">
-                                            <p:txEl>
-                                              <p:pRg st="0" end="0"/>
-                                            </p:txEl>
-                                          </p:spTgt>
+                                          <p:spTgt spid="10"/>
                                         </p:tgtEl>
                                       </p:cBhvr>
                                     </p:animEffect>
@@ -13438,59 +13680,6 @@
                                           </p:stCondLst>
                                         </p:cTn>
                                         <p:tgtEl>
-                                          <p:spTgt spid="10"/>
-                                        </p:tgtEl>
-                                        <p:attrNameLst>
-                                          <p:attrName>style.visibility</p:attrName>
-                                        </p:attrNameLst>
-                                      </p:cBhvr>
-                                      <p:to>
-                                        <p:strVal val="visible"/>
-                                      </p:to>
-                                    </p:set>
-                                    <p:animEffect transition="in" filter="fade">
-                                      <p:cBhvr>
-                                        <p:cTn id="12" dur="500"/>
-                                        <p:tgtEl>
-                                          <p:spTgt spid="10"/>
-                                        </p:tgtEl>
-                                      </p:cBhvr>
-                                    </p:animEffect>
-                                  </p:childTnLst>
-                                </p:cTn>
-                              </p:par>
-                            </p:childTnLst>
-                          </p:cTn>
-                        </p:par>
-                      </p:childTnLst>
-                    </p:cTn>
-                  </p:par>
-                  <p:par>
-                    <p:cTn id="13" fill="hold">
-                      <p:stCondLst>
-                        <p:cond delay="indefinite"/>
-                      </p:stCondLst>
-                      <p:childTnLst>
-                        <p:par>
-                          <p:cTn id="14" fill="hold">
-                            <p:stCondLst>
-                              <p:cond delay="0"/>
-                            </p:stCondLst>
-                            <p:childTnLst>
-                              <p:par>
-                                <p:cTn id="15" presetID="10" presetClass="entr" presetSubtype="0" fill="hold" grpId="0" nodeType="clickEffect">
-                                  <p:stCondLst>
-                                    <p:cond delay="0"/>
-                                  </p:stCondLst>
-                                  <p:childTnLst>
-                                    <p:set>
-                                      <p:cBhvr>
-                                        <p:cTn id="16" dur="1" fill="hold">
-                                          <p:stCondLst>
-                                            <p:cond delay="0"/>
-                                          </p:stCondLst>
-                                        </p:cTn>
-                                        <p:tgtEl>
                                           <p:spTgt spid="13"/>
                                         </p:tgtEl>
                                         <p:attrNameLst>
@@ -13503,7 +13692,7 @@
                                     </p:set>
                                     <p:animEffect transition="in" filter="fade">
                                       <p:cBhvr>
-                                        <p:cTn id="17" dur="1000"/>
+                                        <p:cTn id="12" dur="1000"/>
                                         <p:tgtEl>
                                           <p:spTgt spid="13"/>
                                         </p:tgtEl>
@@ -14236,7 +14425,7 @@
           <a:graphicData uri="http://schemas.openxmlformats.org/presentationml/2006/ole">
             <mc:AlternateContent xmlns:mc="http://schemas.openxmlformats.org/markup-compatibility/2006">
               <mc:Choice xmlns:v="urn:schemas-microsoft-com:vml" Requires="v">
-                <p:oleObj spid="_x0000_s1061" name="Equation" r:id="rId5" imgW="165100" imgH="165100" progId="Equation.DSMT4">
+                <p:oleObj spid="_x0000_s1066" name="Equation" r:id="rId5" imgW="165100" imgH="165100" progId="Equation.DSMT4">
                   <p:embed/>
                 </p:oleObj>
               </mc:Choice>
@@ -14293,7 +14482,7 @@
           <a:graphicData uri="http://schemas.openxmlformats.org/presentationml/2006/ole">
             <mc:AlternateContent xmlns:mc="http://schemas.openxmlformats.org/markup-compatibility/2006">
               <mc:Choice xmlns:v="urn:schemas-microsoft-com:vml" Requires="v">
-                <p:oleObj spid="_x0000_s1062" name="Equation" r:id="rId7" imgW="215900" imgH="215900" progId="Equation.DSMT4">
+                <p:oleObj spid="_x0000_s1067" name="Equation" r:id="rId7" imgW="215900" imgH="215900" progId="Equation.DSMT4">
                   <p:embed/>
                 </p:oleObj>
               </mc:Choice>
@@ -14895,7 +15084,7 @@
           <a:graphicData uri="http://schemas.openxmlformats.org/presentationml/2006/ole">
             <mc:AlternateContent xmlns:mc="http://schemas.openxmlformats.org/markup-compatibility/2006">
               <mc:Choice xmlns:v="urn:schemas-microsoft-com:vml" Requires="v">
-                <p:oleObj spid="_x0000_s2082" name="Equation" r:id="rId5" imgW="165100" imgH="165100" progId="Equation.DSMT4">
+                <p:oleObj spid="_x0000_s2087" name="Equation" r:id="rId5" imgW="165100" imgH="165100" progId="Equation.DSMT4">
                   <p:embed/>
                 </p:oleObj>
               </mc:Choice>
@@ -14952,7 +15141,7 @@
           <a:graphicData uri="http://schemas.openxmlformats.org/presentationml/2006/ole">
             <mc:AlternateContent xmlns:mc="http://schemas.openxmlformats.org/markup-compatibility/2006">
               <mc:Choice xmlns:v="urn:schemas-microsoft-com:vml" Requires="v">
-                <p:oleObj spid="_x0000_s2083" name="Equation" r:id="rId7" imgW="152400" imgH="165100" progId="Equation.3">
+                <p:oleObj spid="_x0000_s2088" name="Equation" r:id="rId7" imgW="152400" imgH="165100" progId="Equation.3">
                   <p:embed/>
                 </p:oleObj>
               </mc:Choice>
@@ -15327,6 +15516,12 @@
 </file>
 
 <file path=ppt/tags/tag15.xml><?xml version="1.0" encoding="utf-8"?>
+<p:tagLst xmlns:a="http://schemas.openxmlformats.org/drawingml/2006/main" xmlns:r="http://schemas.openxmlformats.org/officeDocument/2006/relationships" xmlns:p="http://schemas.openxmlformats.org/presentationml/2006/main">
+  <p:tag name="TIMING" val="|7.8|44.6"/>
+</p:tagLst>
+</file>
+
+<file path=ppt/tags/tag16.xml><?xml version="1.0" encoding="utf-8"?>
 <p:tagLst xmlns:a="http://schemas.openxmlformats.org/drawingml/2006/main" xmlns:r="http://schemas.openxmlformats.org/officeDocument/2006/relationships" xmlns:p="http://schemas.openxmlformats.org/presentationml/2006/main">
   <p:tag name="TIMING" val="|7.8|44.6"/>
 </p:tagLst>

--- a/spring15/slidesS15/cardinality.pptx
+++ b/spring15/slidesS15/cardinality.pptx
@@ -5,10 +5,10 @@
     <p:sldMasterId id="2147483650" r:id="rId1"/>
   </p:sldMasterIdLst>
   <p:notesMasterIdLst>
-    <p:notesMasterId r:id="rId18"/>
+    <p:notesMasterId r:id="rId17"/>
   </p:notesMasterIdLst>
   <p:handoutMasterIdLst>
-    <p:handoutMasterId r:id="rId19"/>
+    <p:handoutMasterId r:id="rId18"/>
   </p:handoutMasterIdLst>
   <p:sldIdLst>
     <p:sldId id="257" r:id="rId2"/>
@@ -25,13 +25,12 @@
     <p:sldId id="365" r:id="rId13"/>
     <p:sldId id="366" r:id="rId14"/>
     <p:sldId id="361" r:id="rId15"/>
-    <p:sldId id="364" r:id="rId16"/>
-    <p:sldId id="367" r:id="rId17"/>
+    <p:sldId id="367" r:id="rId16"/>
   </p:sldIdLst>
   <p:sldSz cx="9144000" cy="6858000" type="screen4x3"/>
   <p:notesSz cx="9601200" cy="7315200"/>
   <p:custDataLst>
-    <p:tags r:id="rId21"/>
+    <p:tags r:id="rId20"/>
   </p:custDataLst>
   <p:defaultTextStyle>
     <a:defPPr>
@@ -1391,88 +1390,6 @@
               <a:rPr lang="en-US" smtClean="0"/>
               <a:pPr/>
               <a:t>15</a:t>
-            </a:fld>
-            <a:endParaRPr lang="en-US"/>
-          </a:p>
-        </p:txBody>
-      </p:sp>
-    </p:spTree>
-  </p:cSld>
-  <p:clrMapOvr>
-    <a:masterClrMapping/>
-  </p:clrMapOvr>
-</p:notes>
-</file>
-
-<file path=ppt/notesSlides/notesSlide16.xml><?xml version="1.0" encoding="utf-8"?>
-<p:notes xmlns:a="http://schemas.openxmlformats.org/drawingml/2006/main" xmlns:r="http://schemas.openxmlformats.org/officeDocument/2006/relationships" xmlns:p="http://schemas.openxmlformats.org/presentationml/2006/main">
-  <p:cSld>
-    <p:spTree>
-      <p:nvGrpSpPr>
-        <p:cNvPr id="1" name=""/>
-        <p:cNvGrpSpPr/>
-        <p:nvPr/>
-      </p:nvGrpSpPr>
-      <p:grpSpPr>
-        <a:xfrm>
-          <a:off x="0" y="0"/>
-          <a:ext cx="0" cy="0"/>
-          <a:chOff x="0" y="0"/>
-          <a:chExt cx="0" cy="0"/>
-        </a:xfrm>
-      </p:grpSpPr>
-      <p:sp>
-        <p:nvSpPr>
-          <p:cNvPr id="2" name="Slide Image Placeholder 1"/>
-          <p:cNvSpPr>
-            <a:spLocks noGrp="1" noRot="1" noChangeAspect="1"/>
-          </p:cNvSpPr>
-          <p:nvPr>
-            <p:ph type="sldImg"/>
-          </p:nvPr>
-        </p:nvSpPr>
-        <p:spPr/>
-      </p:sp>
-      <p:sp>
-        <p:nvSpPr>
-          <p:cNvPr id="3" name="Notes Placeholder 2"/>
-          <p:cNvSpPr>
-            <a:spLocks noGrp="1"/>
-          </p:cNvSpPr>
-          <p:nvPr>
-            <p:ph type="body" idx="1"/>
-          </p:nvPr>
-        </p:nvSpPr>
-        <p:spPr/>
-        <p:txBody>
-          <a:bodyPr>
-            <a:normAutofit/>
-          </a:bodyPr>
-          <a:lstStyle/>
-          <a:p>
-            <a:endParaRPr lang="en-US"/>
-          </a:p>
-        </p:txBody>
-      </p:sp>
-      <p:sp>
-        <p:nvSpPr>
-          <p:cNvPr id="4" name="Slide Number Placeholder 3"/>
-          <p:cNvSpPr>
-            <a:spLocks noGrp="1"/>
-          </p:cNvSpPr>
-          <p:nvPr>
-            <p:ph type="sldNum" sz="quarter" idx="10"/>
-          </p:nvPr>
-        </p:nvSpPr>
-        <p:spPr/>
-        <p:txBody>
-          <a:bodyPr/>
-          <a:lstStyle/>
-          <a:p>
-            <a:fld id="{A02B9F3F-3042-489F-AF35-1A733968F079}" type="slidenum">
-              <a:rPr lang="en-US" smtClean="0"/>
-              <a:pPr/>
-              <a:t>16</a:t>
             </a:fld>
             <a:endParaRPr lang="en-US"/>
           </a:p>
@@ -3827,7 +3744,7 @@
 </file>
 
 <file path=ppt/slides/slide10.xml><?xml version="1.0" encoding="utf-8"?>
-<p:sld xmlns:a="http://schemas.openxmlformats.org/drawingml/2006/main" xmlns:r="http://schemas.openxmlformats.org/officeDocument/2006/relationships" xmlns:p="http://schemas.openxmlformats.org/presentationml/2006/main">
+<p:sld xmlns:a="http://schemas.openxmlformats.org/drawingml/2006/main" xmlns:r="http://schemas.openxmlformats.org/officeDocument/2006/relationships" xmlns:p="http://schemas.openxmlformats.org/presentationml/2006/main" show="0">
   <p:cSld>
     <p:spTree>
       <p:nvGrpSpPr>
@@ -4340,7 +4257,7 @@
           <a:graphicData uri="http://schemas.openxmlformats.org/presentationml/2006/ole">
             <mc:AlternateContent xmlns:mc="http://schemas.openxmlformats.org/markup-compatibility/2006">
               <mc:Choice xmlns:v="urn:schemas-microsoft-com:vml" Requires="v">
-                <p:oleObj spid="_x0000_s3119" name="Equation" r:id="rId5" imgW="165100" imgH="165100" progId="Equation.DSMT4">
+                <p:oleObj spid="_x0000_s3122" name="Equation" r:id="rId5" imgW="165100" imgH="165100" progId="Equation.DSMT4">
                   <p:embed/>
                 </p:oleObj>
               </mc:Choice>
@@ -4397,7 +4314,7 @@
           <a:graphicData uri="http://schemas.openxmlformats.org/presentationml/2006/ole">
             <mc:AlternateContent xmlns:mc="http://schemas.openxmlformats.org/markup-compatibility/2006">
               <mc:Choice xmlns:v="urn:schemas-microsoft-com:vml" Requires="v">
-                <p:oleObj spid="_x0000_s3120" name="Equation" r:id="rId7" imgW="1346200" imgH="266700" progId="Equation.DSMT4">
+                <p:oleObj spid="_x0000_s3123" name="Equation" r:id="rId7" imgW="1346200" imgH="266700" progId="Equation.DSMT4">
                   <p:embed/>
                 </p:oleObj>
               </mc:Choice>
@@ -4440,13 +4357,13 @@
   <p:clrMapOvr>
     <a:masterClrMapping/>
   </p:clrMapOvr>
-  <mc:AlternateContent xmlns:mc="http://schemas.openxmlformats.org/markup-compatibility/2006" xmlns:p14="http://schemas.microsoft.com/office/powerpoint/2010/main">
-    <mc:Choice Requires="p14">
+  <mc:AlternateContent xmlns:mc="http://schemas.openxmlformats.org/markup-compatibility/2006">
+    <mc:Choice xmlns:p14="http://schemas.microsoft.com/office/powerpoint/2010/main" Requires="p14">
       <p:transition spd="slow" p14:dur="800" advClick="0">
         <p:fade thruBlk="1"/>
       </p:transition>
     </mc:Choice>
-    <mc:Fallback xmlns="">
+    <mc:Fallback>
       <p:transition xmlns:p14="http://schemas.microsoft.com/office/powerpoint/2010/main" spd="slow" advClick="0">
         <p:fade thruBlk="1"/>
       </p:transition>
@@ -4806,7 +4723,7 @@
 </file>
 
 <file path=ppt/slides/slide11.xml><?xml version="1.0" encoding="utf-8"?>
-<p:sld xmlns:a="http://schemas.openxmlformats.org/drawingml/2006/main" xmlns:r="http://schemas.openxmlformats.org/officeDocument/2006/relationships" xmlns:p="http://schemas.openxmlformats.org/presentationml/2006/main">
+<p:sld xmlns:a="http://schemas.openxmlformats.org/drawingml/2006/main" xmlns:r="http://schemas.openxmlformats.org/officeDocument/2006/relationships" xmlns:p="http://schemas.openxmlformats.org/presentationml/2006/main" show="0">
   <p:cSld>
     <p:spTree>
       <p:nvGrpSpPr>
@@ -5574,7 +5491,7 @@
 </file>
 
 <file path=ppt/slides/slide12.xml><?xml version="1.0" encoding="utf-8"?>
-<p:sld xmlns:a="http://schemas.openxmlformats.org/drawingml/2006/main" xmlns:r="http://schemas.openxmlformats.org/officeDocument/2006/relationships" xmlns:p="http://schemas.openxmlformats.org/presentationml/2006/main">
+<p:sld xmlns:a="http://schemas.openxmlformats.org/drawingml/2006/main" xmlns:r="http://schemas.openxmlformats.org/officeDocument/2006/relationships" xmlns:p="http://schemas.openxmlformats.org/presentationml/2006/main" show="0">
   <p:cSld>
     <p:spTree>
       <p:nvGrpSpPr>
@@ -5978,7 +5895,7 @@
           <a:graphicData uri="http://schemas.openxmlformats.org/presentationml/2006/ole">
             <mc:AlternateContent xmlns:mc="http://schemas.openxmlformats.org/markup-compatibility/2006">
               <mc:Choice xmlns:v="urn:schemas-microsoft-com:vml" Requires="v">
-                <p:oleObj spid="_x0000_s7185" name="Equation" r:id="rId5" imgW="419100" imgH="177800" progId="Equation.DSMT4">
+                <p:oleObj spid="_x0000_s7187" name="Equation" r:id="rId5" imgW="419100" imgH="177800" progId="Equation.DSMT4">
                   <p:embed/>
                 </p:oleObj>
               </mc:Choice>
@@ -6432,7 +6349,7 @@
 </file>
 
 <file path=ppt/slides/slide13.xml><?xml version="1.0" encoding="utf-8"?>
-<p:sld xmlns:a="http://schemas.openxmlformats.org/drawingml/2006/main" xmlns:r="http://schemas.openxmlformats.org/officeDocument/2006/relationships" xmlns:p="http://schemas.openxmlformats.org/presentationml/2006/main">
+<p:sld xmlns:a="http://schemas.openxmlformats.org/drawingml/2006/main" xmlns:r="http://schemas.openxmlformats.org/officeDocument/2006/relationships" xmlns:p="http://schemas.openxmlformats.org/presentationml/2006/main" show="0">
   <p:cSld>
     <p:spTree>
       <p:nvGrpSpPr>
@@ -6710,7 +6627,7 @@
             <a:graphicData uri="http://schemas.openxmlformats.org/presentationml/2006/ole">
               <mc:AlternateContent xmlns:mc="http://schemas.openxmlformats.org/markup-compatibility/2006">
                 <mc:Choice xmlns:v="urn:schemas-microsoft-com:vml" Requires="v">
-                  <p:oleObj spid="_x0000_s9224" name="Equation" r:id="rId5" imgW="165100" imgH="165100" progId="Equation.DSMT4">
+                  <p:oleObj spid="_x0000_s9226" name="Equation" r:id="rId5" imgW="165100" imgH="165100" progId="Equation.DSMT4">
                     <p:embed/>
                   </p:oleObj>
                 </mc:Choice>
@@ -6897,13 +6814,13 @@
   <p:clrMapOvr>
     <a:masterClrMapping/>
   </p:clrMapOvr>
-  <mc:AlternateContent xmlns:mc="http://schemas.openxmlformats.org/markup-compatibility/2006" xmlns:p14="http://schemas.microsoft.com/office/powerpoint/2010/main">
-    <mc:Choice Requires="p14">
+  <mc:AlternateContent xmlns:mc="http://schemas.openxmlformats.org/markup-compatibility/2006">
+    <mc:Choice xmlns:p14="http://schemas.microsoft.com/office/powerpoint/2010/main" Requires="p14">
       <p:transition spd="med" p14:dur="700" advClick="0">
         <p:fade/>
       </p:transition>
     </mc:Choice>
-    <mc:Fallback xmlns="">
+    <mc:Fallback>
       <p:transition xmlns:p14="http://schemas.microsoft.com/office/powerpoint/2010/main" spd="med" advClick="0">
         <p:fade/>
       </p:transition>
@@ -7295,7 +7212,7 @@
 </file>
 
 <file path=ppt/slides/slide14.xml><?xml version="1.0" encoding="utf-8"?>
-<p:sld xmlns:a="http://schemas.openxmlformats.org/drawingml/2006/main" xmlns:r="http://schemas.openxmlformats.org/officeDocument/2006/relationships" xmlns:p="http://schemas.openxmlformats.org/presentationml/2006/main">
+<p:sld xmlns:a="http://schemas.openxmlformats.org/drawingml/2006/main" xmlns:r="http://schemas.openxmlformats.org/officeDocument/2006/relationships" xmlns:p="http://schemas.openxmlformats.org/presentationml/2006/main" show="0">
   <p:cSld>
     <p:spTree>
       <p:nvGrpSpPr>
@@ -7333,7 +7250,7 @@
           <a:graphicData uri="http://schemas.openxmlformats.org/presentationml/2006/ole">
             <mc:AlternateContent xmlns:mc="http://schemas.openxmlformats.org/markup-compatibility/2006">
               <mc:Choice xmlns:v="urn:schemas-microsoft-com:vml" Requires="v">
-                <p:oleObj spid="_x0000_s8227" name="Equation" r:id="rId5" imgW="431800" imgH="431800" progId="Equation.DSMT4">
+                <p:oleObj spid="_x0000_s8232" name="Equation" r:id="rId5" imgW="431800" imgH="431800" progId="Equation.DSMT4">
                   <p:embed/>
                 </p:oleObj>
               </mc:Choice>
@@ -7434,7 +7351,7 @@
           <a:graphicData uri="http://schemas.openxmlformats.org/presentationml/2006/ole">
             <mc:AlternateContent xmlns:mc="http://schemas.openxmlformats.org/markup-compatibility/2006">
               <mc:Choice xmlns:v="urn:schemas-microsoft-com:vml" Requires="v">
-                <p:oleObj spid="_x0000_s8228" name="Equation" r:id="rId7" imgW="1193800" imgH="266700" progId="Equation.DSMT4">
+                <p:oleObj spid="_x0000_s8233" name="Equation" r:id="rId7" imgW="1193800" imgH="266700" progId="Equation.DSMT4">
                   <p:embed/>
                 </p:oleObj>
               </mc:Choice>
@@ -7580,7 +7497,7 @@
             <a:graphicData uri="http://schemas.openxmlformats.org/presentationml/2006/ole">
               <mc:AlternateContent xmlns:mc="http://schemas.openxmlformats.org/markup-compatibility/2006">
                 <mc:Choice xmlns:v="urn:schemas-microsoft-com:vml" Requires="v">
-                  <p:oleObj spid="_x0000_s8229" name="Equation" r:id="rId9" imgW="190500" imgH="469900" progId="Equation.DSMT4">
+                  <p:oleObj spid="_x0000_s8234" name="Equation" r:id="rId9" imgW="190500" imgH="469900" progId="Equation.DSMT4">
                     <p:embed/>
                   </p:oleObj>
                 </mc:Choice>
@@ -7638,7 +7555,7 @@
           <a:graphicData uri="http://schemas.openxmlformats.org/presentationml/2006/ole">
             <mc:AlternateContent xmlns:mc="http://schemas.openxmlformats.org/markup-compatibility/2006">
               <mc:Choice xmlns:v="urn:schemas-microsoft-com:vml" Requires="v">
-                <p:oleObj spid="_x0000_s8230" name="Equation" r:id="rId11" imgW="431800" imgH="431800" progId="Equation.DSMT4">
+                <p:oleObj spid="_x0000_s8235" name="Equation" r:id="rId11" imgW="431800" imgH="431800" progId="Equation.DSMT4">
                   <p:embed/>
                 </p:oleObj>
               </mc:Choice>
@@ -7721,13 +7638,13 @@
   <p:clrMapOvr>
     <a:masterClrMapping/>
   </p:clrMapOvr>
-  <mc:AlternateContent xmlns:mc="http://schemas.openxmlformats.org/markup-compatibility/2006" xmlns:p14="http://schemas.microsoft.com/office/powerpoint/2010/main">
-    <mc:Choice Requires="p14">
+  <mc:AlternateContent xmlns:mc="http://schemas.openxmlformats.org/markup-compatibility/2006">
+    <mc:Choice xmlns:p14="http://schemas.microsoft.com/office/powerpoint/2010/main" Requires="p14">
       <p:transition spd="med" p14:dur="700" advClick="0">
         <p:fade/>
       </p:transition>
     </mc:Choice>
-    <mc:Fallback xmlns="">
+    <mc:Fallback>
       <p:transition xmlns:p14="http://schemas.microsoft.com/office/powerpoint/2010/main" spd="med" advClick="0">
         <p:fade/>
       </p:transition>
@@ -8050,8 +7967,8 @@
         </p:nvSpPr>
         <p:spPr>
           <a:xfrm>
-            <a:off x="293680" y="1654342"/>
-            <a:ext cx="7890727" cy="2862322"/>
+            <a:off x="908771" y="1346746"/>
+            <a:ext cx="7326457" cy="4154983"/>
           </a:xfrm>
           <a:prstGeom prst="rect">
             <a:avLst/>
@@ -8065,98 +7982,120 @@
           <a:lstStyle/>
           <a:p>
             <a:r>
-              <a:rPr lang="en-US" sz="6000" dirty="0" smtClean="0">
+              <a:rPr lang="en-US" sz="6600" dirty="0" smtClean="0">
                 <a:solidFill>
                   <a:srgbClr val="000000"/>
                 </a:solidFill>
                 <a:latin typeface="Comic Sans MS"/>
                 <a:cs typeface="Comic Sans MS"/>
               </a:rPr>
-              <a:t>But the </a:t>
-            </a:r>
-            <a:r>
-              <a:rPr lang="en-US" sz="6000" dirty="0" smtClean="0">
-                <a:solidFill>
-                  <a:srgbClr val="0000FF"/>
-                </a:solidFill>
-                <a:latin typeface="Comic Sans MS"/>
-                <a:cs typeface="Comic Sans MS"/>
-              </a:rPr>
-              <a:t>real numbers</a:t>
-            </a:r>
-            <a:r>
-              <a:rPr lang="en-US" sz="6000" dirty="0" smtClean="0">
+              <a:t>But </a:t>
+            </a:r>
+            <a:r>
+              <a:rPr lang="en-US" sz="6600" dirty="0">
+                <a:solidFill>
+                  <a:srgbClr val="0000FF"/>
+                </a:solidFill>
+                <a:latin typeface="Comic Sans MS" pitchFamily="66" charset="0"/>
+                <a:cs typeface="Comic Sans MS"/>
+              </a:rPr>
+              <a:t>{0,1}</a:t>
+            </a:r>
+            <a:r>
+              <a:rPr lang="en-US" sz="6600" b="1" baseline="30000" dirty="0" err="1" smtClean="0">
+                <a:solidFill>
+                  <a:srgbClr val="0000FF"/>
+                </a:solidFill>
+                <a:latin typeface="Euclid Symbol" charset="2"/>
+                <a:cs typeface="Comic Sans MS"/>
+              </a:rPr>
+              <a:t>ω</a:t>
+            </a:r>
+            <a:r>
+              <a:rPr lang="en-US" sz="6600" b="1" baseline="30000" dirty="0" smtClean="0">
+                <a:solidFill>
+                  <a:srgbClr val="0000FF"/>
+                </a:solidFill>
+                <a:latin typeface="Euclid Symbol" charset="2"/>
+                <a:cs typeface="Comic Sans MS"/>
+              </a:rPr>
+              <a:t>  </a:t>
+            </a:r>
+            <a:r>
+              <a:rPr lang="en-US" sz="6600" dirty="0" smtClean="0">
                 <a:solidFill>
                   <a:srgbClr val="000000"/>
                 </a:solidFill>
                 <a:latin typeface="Comic Sans MS"/>
                 <a:cs typeface="Comic Sans MS"/>
               </a:rPr>
-              <a:t>  </a:t>
+              <a:t>and the</a:t>
             </a:r>
           </a:p>
           <a:p>
             <a:r>
-              <a:rPr lang="en-US" sz="6000" dirty="0" smtClean="0">
+              <a:rPr lang="en-US" sz="6600" dirty="0" smtClean="0">
+                <a:solidFill>
+                  <a:srgbClr val="0000FF"/>
+                </a:solidFill>
+                <a:latin typeface="Comic Sans MS"/>
+                <a:cs typeface="Comic Sans MS"/>
+              </a:rPr>
+              <a:t>real numbers</a:t>
+            </a:r>
+            <a:r>
+              <a:rPr lang="en-US" sz="6600" dirty="0" smtClean="0">
                 <a:solidFill>
                   <a:srgbClr val="000000"/>
                 </a:solidFill>
                 <a:latin typeface="Comic Sans MS"/>
                 <a:cs typeface="Comic Sans MS"/>
               </a:rPr>
-              <a:t>are </a:t>
-            </a:r>
-            <a:r>
-              <a:rPr lang="en-US" sz="6000" dirty="0" smtClean="0">
-                <a:solidFill>
-                  <a:srgbClr val="FF0000"/>
-                </a:solidFill>
-                <a:latin typeface="Comic Sans MS"/>
-                <a:cs typeface="Comic Sans MS"/>
-              </a:rPr>
-              <a:t>not</a:t>
-            </a:r>
-            <a:r>
-              <a:rPr lang="en-US" sz="6000" dirty="0" smtClean="0">
-                <a:solidFill>
-                  <a:srgbClr val="000000"/>
-                </a:solidFill>
-                <a:latin typeface="Comic Sans MS"/>
-                <a:cs typeface="Comic Sans MS"/>
-              </a:rPr>
-              <a:t> countable</a:t>
+              <a:t>  </a:t>
             </a:r>
           </a:p>
           <a:p>
             <a:r>
-              <a:rPr lang="en-US" sz="6000" dirty="0" smtClean="0">
+              <a:rPr lang="en-US" sz="6600" dirty="0" smtClean="0">
                 <a:solidFill>
                   <a:srgbClr val="000000"/>
                 </a:solidFill>
                 <a:latin typeface="Comic Sans MS"/>
                 <a:cs typeface="Comic Sans MS"/>
               </a:rPr>
-              <a:t>–</a:t>
-            </a:r>
-            <a:r>
-              <a:rPr lang="en-US" sz="6000" dirty="0">
+              <a:t>are </a:t>
+            </a:r>
+            <a:r>
+              <a:rPr lang="en-US" sz="6600" dirty="0" smtClean="0">
+                <a:solidFill>
+                  <a:srgbClr val="FF0000"/>
+                </a:solidFill>
+                <a:latin typeface="Comic Sans MS"/>
+                <a:cs typeface="Comic Sans MS"/>
+              </a:rPr>
+              <a:t>not</a:t>
+            </a:r>
+            <a:r>
+              <a:rPr lang="en-US" sz="6600" dirty="0" smtClean="0">
                 <a:solidFill>
                   <a:srgbClr val="000000"/>
                 </a:solidFill>
                 <a:latin typeface="Comic Sans MS"/>
                 <a:cs typeface="Comic Sans MS"/>
               </a:rPr>
-              <a:t>–</a:t>
-            </a:r>
-            <a:r>
-              <a:rPr lang="en-US" sz="6000" dirty="0" smtClean="0">
+              <a:t> countable:</a:t>
+            </a:r>
+          </a:p>
+          <a:p>
+            <a:r>
+              <a:rPr lang="en-US" sz="6600" dirty="0" smtClean="0">
                 <a:solidFill>
                   <a:srgbClr val="000000"/>
                 </a:solidFill>
                 <a:latin typeface="Comic Sans MS"/>
                 <a:cs typeface="Comic Sans MS"/>
               </a:rPr>
-              <a:t>shown next lecture.</a:t>
+              <a:t>next lecture.</a:t>
             </a:r>
           </a:p>
         </p:txBody>
@@ -8187,7 +8126,7 @@
                   <a:srgbClr val="000000"/>
                 </a:solidFill>
               </a:rPr>
-              <a:t>Rationals</a:t>
+              <a:t>Reals</a:t>
             </a:r>
             <a:r>
               <a:rPr lang="en-US" sz="4400" dirty="0" smtClean="0">
@@ -8195,430 +8134,7 @@
                   <a:srgbClr val="000000"/>
                 </a:solidFill>
               </a:rPr>
-              <a:t> are countable</a:t>
-            </a:r>
-            <a:endParaRPr lang="en-US" sz="4400" dirty="0">
-              <a:solidFill>
-                <a:srgbClr val="000000"/>
-              </a:solidFill>
-            </a:endParaRPr>
-          </a:p>
-        </p:txBody>
-      </p:sp>
-      <p:graphicFrame>
-        <p:nvGraphicFramePr>
-          <p:cNvPr id="4" name="Object 3"/>
-          <p:cNvGraphicFramePr>
-            <a:graphicFrameLocks noChangeAspect="1"/>
-          </p:cNvGraphicFramePr>
-          <p:nvPr>
-            <p:extLst>
-              <p:ext uri="{D42A27DB-BD31-4B8C-83A1-F6EECF244321}">
-                <p14:modId xmlns:p14="http://schemas.microsoft.com/office/powerpoint/2010/main" val="1173420588"/>
-              </p:ext>
-            </p:extLst>
-          </p:nvPr>
-        </p:nvGraphicFramePr>
-        <p:xfrm>
-          <a:off x="8034246" y="1638296"/>
-          <a:ext cx="952500" cy="952500"/>
-        </p:xfrm>
-        <a:graphic>
-          <a:graphicData uri="http://schemas.openxmlformats.org/presentationml/2006/ole">
-            <mc:AlternateContent xmlns:mc="http://schemas.openxmlformats.org/markup-compatibility/2006">
-              <mc:Choice xmlns:v="urn:schemas-microsoft-com:vml" Requires="v">
-                <p:oleObj spid="_x0000_s10246" name="Equation" r:id="rId5" imgW="165100" imgH="165100" progId="Equation.DSMT4">
-                  <p:embed/>
-                </p:oleObj>
-              </mc:Choice>
-              <mc:Fallback>
-                <p:oleObj name="Equation" r:id="rId5" imgW="165100" imgH="165100" progId="Equation.DSMT4">
-                  <p:embed/>
-                  <p:pic>
-                    <p:nvPicPr>
-                      <p:cNvPr id="0" name=""/>
-                      <p:cNvPicPr/>
-                      <p:nvPr/>
-                    </p:nvPicPr>
-                    <p:blipFill>
-                      <a:blip r:embed="rId6"/>
-                      <a:stretch>
-                        <a:fillRect/>
-                      </a:stretch>
-                    </p:blipFill>
-                    <p:spPr>
-                      <a:xfrm>
-                        <a:off x="8034246" y="1638296"/>
-                        <a:ext cx="952500" cy="952500"/>
-                      </a:xfrm>
-                      <a:prstGeom prst="rect">
-                        <a:avLst/>
-                      </a:prstGeom>
-                    </p:spPr>
-                  </p:pic>
-                </p:oleObj>
-              </mc:Fallback>
-            </mc:AlternateContent>
-          </a:graphicData>
-        </a:graphic>
-      </p:graphicFrame>
-    </p:spTree>
-    <p:custDataLst>
-      <p:tags r:id="rId2"/>
-    </p:custDataLst>
-    <p:extLst>
-      <p:ext uri="{BB962C8B-B14F-4D97-AF65-F5344CB8AC3E}">
-        <p14:creationId xmlns:p14="http://schemas.microsoft.com/office/powerpoint/2010/main" val="2940662702"/>
-      </p:ext>
-    </p:extLst>
-  </p:cSld>
-  <p:clrMapOvr>
-    <a:masterClrMapping/>
-  </p:clrMapOvr>
-  <mc:AlternateContent xmlns:mc="http://schemas.openxmlformats.org/markup-compatibility/2006">
-    <mc:Choice xmlns:p14="http://schemas.microsoft.com/office/powerpoint/2010/main" Requires="p14">
-      <p:transition spd="med" p14:dur="700" advClick="0">
-        <p:fade/>
-      </p:transition>
-    </mc:Choice>
-    <mc:Fallback>
-      <p:transition xmlns:p14="http://schemas.microsoft.com/office/powerpoint/2010/main" spd="med" advClick="0">
-        <p:fade/>
-      </p:transition>
-    </mc:Fallback>
-  </mc:AlternateContent>
-  <p:timing>
-    <p:tnLst>
-      <p:par>
-        <p:cTn xmlns:p14="http://schemas.microsoft.com/office/powerpoint/2010/main" id="1" dur="indefinite" restart="never" nodeType="tmRoot">
-          <p:childTnLst>
-            <p:seq concurrent="1" nextAc="seek">
-              <p:cTn id="2" dur="indefinite" nodeType="mainSeq">
-                <p:childTnLst>
-                  <p:par>
-                    <p:cTn id="3" fill="hold">
-                      <p:stCondLst>
-                        <p:cond delay="indefinite"/>
-                      </p:stCondLst>
-                      <p:childTnLst>
-                        <p:par>
-                          <p:cTn id="4" fill="hold">
-                            <p:stCondLst>
-                              <p:cond delay="0"/>
-                            </p:stCondLst>
-                            <p:childTnLst>
-                              <p:par>
-                                <p:cTn id="5" presetID="9" presetClass="entr" presetSubtype="0" fill="hold" nodeType="clickEffect">
-                                  <p:stCondLst>
-                                    <p:cond delay="0"/>
-                                  </p:stCondLst>
-                                  <p:childTnLst>
-                                    <p:set>
-                                      <p:cBhvr>
-                                        <p:cTn id="6" dur="1" fill="hold">
-                                          <p:stCondLst>
-                                            <p:cond delay="0"/>
-                                          </p:stCondLst>
-                                        </p:cTn>
-                                        <p:tgtEl>
-                                          <p:spTgt spid="3">
-                                            <p:txEl>
-                                              <p:pRg st="2" end="2"/>
-                                            </p:txEl>
-                                          </p:spTgt>
-                                        </p:tgtEl>
-                                        <p:attrNameLst>
-                                          <p:attrName>style.visibility</p:attrName>
-                                        </p:attrNameLst>
-                                      </p:cBhvr>
-                                      <p:to>
-                                        <p:strVal val="visible"/>
-                                      </p:to>
-                                    </p:set>
-                                    <p:animEffect transition="in" filter="dissolve">
-                                      <p:cBhvr>
-                                        <p:cTn id="7" dur="1000"/>
-                                        <p:tgtEl>
-                                          <p:spTgt spid="3">
-                                            <p:txEl>
-                                              <p:pRg st="2" end="2"/>
-                                            </p:txEl>
-                                          </p:spTgt>
-                                        </p:tgtEl>
-                                      </p:cBhvr>
-                                    </p:animEffect>
-                                  </p:childTnLst>
-                                </p:cTn>
-                              </p:par>
-                            </p:childTnLst>
-                          </p:cTn>
-                        </p:par>
-                      </p:childTnLst>
-                    </p:cTn>
-                  </p:par>
-                </p:childTnLst>
-              </p:cTn>
-              <p:prevCondLst>
-                <p:cond evt="onPrev" delay="0">
-                  <p:tgtEl>
-                    <p:sldTgt/>
-                  </p:tgtEl>
-                </p:cond>
-              </p:prevCondLst>
-              <p:nextCondLst>
-                <p:cond evt="onNext" delay="0">
-                  <p:tgtEl>
-                    <p:sldTgt/>
-                  </p:tgtEl>
-                </p:cond>
-              </p:nextCondLst>
-            </p:seq>
-          </p:childTnLst>
-        </p:cTn>
-      </p:par>
-    </p:tnLst>
-  </p:timing>
-</p:sld>
-</file>
-
-<file path=ppt/slides/slide16.xml><?xml version="1.0" encoding="utf-8"?>
-<p:sld xmlns:a="http://schemas.openxmlformats.org/drawingml/2006/main" xmlns:r="http://schemas.openxmlformats.org/officeDocument/2006/relationships" xmlns:p="http://schemas.openxmlformats.org/presentationml/2006/main">
-  <p:cSld>
-    <p:spTree>
-      <p:nvGrpSpPr>
-        <p:cNvPr id="1" name=""/>
-        <p:cNvGrpSpPr/>
-        <p:nvPr/>
-      </p:nvGrpSpPr>
-      <p:grpSpPr>
-        <a:xfrm>
-          <a:off x="0" y="0"/>
-          <a:ext cx="0" cy="0"/>
-          <a:chOff x="0" y="0"/>
-          <a:chExt cx="0" cy="0"/>
-        </a:xfrm>
-      </p:grpSpPr>
-      <p:sp>
-        <p:nvSpPr>
-          <p:cNvPr id="3" name="TextBox 2"/>
-          <p:cNvSpPr txBox="1"/>
-          <p:nvPr/>
-        </p:nvSpPr>
-        <p:spPr>
-          <a:xfrm>
-            <a:off x="908771" y="1346746"/>
-            <a:ext cx="7326457" cy="4154983"/>
-          </a:xfrm>
-          <a:prstGeom prst="rect">
-            <a:avLst/>
-          </a:prstGeom>
-          <a:noFill/>
-        </p:spPr>
-        <p:txBody>
-          <a:bodyPr wrap="none" rtlCol="0">
-            <a:spAutoFit/>
-          </a:bodyPr>
-          <a:lstStyle/>
-          <a:p>
-            <a:r>
-              <a:rPr lang="en-US" sz="6600" dirty="0" smtClean="0">
-                <a:solidFill>
-                  <a:srgbClr val="000000"/>
-                </a:solidFill>
-                <a:latin typeface="Comic Sans MS"/>
-                <a:cs typeface="Comic Sans MS"/>
-              </a:rPr>
-              <a:t>But </a:t>
-            </a:r>
-            <a:r>
-              <a:rPr lang="en-US" sz="6600" dirty="0">
-                <a:solidFill>
-                  <a:srgbClr val="0000FF"/>
-                </a:solidFill>
-                <a:latin typeface="Comic Sans MS" pitchFamily="66" charset="0"/>
-                <a:cs typeface="Comic Sans MS"/>
-              </a:rPr>
-              <a:t>{0,1}</a:t>
-            </a:r>
-            <a:r>
-              <a:rPr lang="en-US" sz="6600" b="1" baseline="30000" dirty="0" err="1" smtClean="0">
-                <a:solidFill>
-                  <a:srgbClr val="0000FF"/>
-                </a:solidFill>
-                <a:latin typeface="Euclid Symbol" charset="2"/>
-                <a:cs typeface="Comic Sans MS"/>
-              </a:rPr>
-              <a:t>ω</a:t>
-            </a:r>
-            <a:r>
-              <a:rPr lang="en-US" sz="6600" b="1" baseline="30000" dirty="0" smtClean="0">
-                <a:solidFill>
-                  <a:srgbClr val="0000FF"/>
-                </a:solidFill>
-                <a:latin typeface="Euclid Symbol" charset="2"/>
-                <a:cs typeface="Comic Sans MS"/>
-              </a:rPr>
-              <a:t>  </a:t>
-            </a:r>
-            <a:r>
-              <a:rPr lang="en-US" sz="6600" dirty="0" smtClean="0">
-                <a:solidFill>
-                  <a:srgbClr val="000000"/>
-                </a:solidFill>
-                <a:latin typeface="Comic Sans MS"/>
-                <a:cs typeface="Comic Sans MS"/>
-              </a:rPr>
-              <a:t>and the</a:t>
-            </a:r>
-          </a:p>
-          <a:p>
-            <a:r>
-              <a:rPr lang="en-US" sz="6600" dirty="0" smtClean="0">
-                <a:solidFill>
-                  <a:srgbClr val="0000FF"/>
-                </a:solidFill>
-                <a:latin typeface="Comic Sans MS"/>
-                <a:cs typeface="Comic Sans MS"/>
-              </a:rPr>
-              <a:t>real </a:t>
-            </a:r>
-            <a:r>
-              <a:rPr lang="en-US" sz="6600" dirty="0" smtClean="0">
-                <a:solidFill>
-                  <a:srgbClr val="0000FF"/>
-                </a:solidFill>
-                <a:latin typeface="Comic Sans MS"/>
-                <a:cs typeface="Comic Sans MS"/>
-              </a:rPr>
-              <a:t>numbers</a:t>
-            </a:r>
-            <a:r>
-              <a:rPr lang="en-US" sz="6600" dirty="0" smtClean="0">
-                <a:solidFill>
-                  <a:srgbClr val="000000"/>
-                </a:solidFill>
-                <a:latin typeface="Comic Sans MS"/>
-                <a:cs typeface="Comic Sans MS"/>
-              </a:rPr>
-              <a:t>  </a:t>
-            </a:r>
-          </a:p>
-          <a:p>
-            <a:r>
-              <a:rPr lang="en-US" sz="6600" dirty="0" smtClean="0">
-                <a:solidFill>
-                  <a:srgbClr val="000000"/>
-                </a:solidFill>
-                <a:latin typeface="Comic Sans MS"/>
-                <a:cs typeface="Comic Sans MS"/>
-              </a:rPr>
-              <a:t>are </a:t>
-            </a:r>
-            <a:r>
-              <a:rPr lang="en-US" sz="6600" dirty="0" smtClean="0">
-                <a:solidFill>
-                  <a:srgbClr val="FF0000"/>
-                </a:solidFill>
-                <a:latin typeface="Comic Sans MS"/>
-                <a:cs typeface="Comic Sans MS"/>
-              </a:rPr>
-              <a:t>not</a:t>
-            </a:r>
-            <a:r>
-              <a:rPr lang="en-US" sz="6600" dirty="0" smtClean="0">
-                <a:solidFill>
-                  <a:srgbClr val="000000"/>
-                </a:solidFill>
-                <a:latin typeface="Comic Sans MS"/>
-                <a:cs typeface="Comic Sans MS"/>
-              </a:rPr>
-              <a:t> </a:t>
-            </a:r>
-            <a:r>
-              <a:rPr lang="en-US" sz="6600" dirty="0" smtClean="0">
-                <a:solidFill>
-                  <a:srgbClr val="000000"/>
-                </a:solidFill>
-                <a:latin typeface="Comic Sans MS"/>
-                <a:cs typeface="Comic Sans MS"/>
-              </a:rPr>
-              <a:t>countable:</a:t>
-            </a:r>
-            <a:endParaRPr lang="en-US" sz="6600" dirty="0" smtClean="0">
-              <a:solidFill>
-                <a:srgbClr val="000000"/>
-              </a:solidFill>
-              <a:latin typeface="Comic Sans MS"/>
-              <a:cs typeface="Comic Sans MS"/>
-            </a:endParaRPr>
-          </a:p>
-          <a:p>
-            <a:r>
-              <a:rPr lang="en-US" sz="6600" dirty="0" smtClean="0">
-                <a:solidFill>
-                  <a:srgbClr val="000000"/>
-                </a:solidFill>
-                <a:latin typeface="Comic Sans MS"/>
-                <a:cs typeface="Comic Sans MS"/>
-              </a:rPr>
-              <a:t>next </a:t>
-            </a:r>
-            <a:r>
-              <a:rPr lang="en-US" sz="6600" dirty="0" smtClean="0">
-                <a:solidFill>
-                  <a:srgbClr val="000000"/>
-                </a:solidFill>
-                <a:latin typeface="Comic Sans MS"/>
-                <a:cs typeface="Comic Sans MS"/>
-              </a:rPr>
-              <a:t>lecture.</a:t>
-            </a:r>
-          </a:p>
-        </p:txBody>
-      </p:sp>
-      <p:sp>
-        <p:nvSpPr>
-          <p:cNvPr id="5" name="Title 1"/>
-          <p:cNvSpPr>
-            <a:spLocks noGrp="1"/>
-          </p:cNvSpPr>
-          <p:nvPr>
-            <p:ph type="title"/>
-          </p:nvPr>
-        </p:nvSpPr>
-        <p:spPr>
-          <a:xfrm>
-            <a:off x="1400480" y="363537"/>
-            <a:ext cx="7637004" cy="1078527"/>
-          </a:xfrm>
-        </p:spPr>
-        <p:txBody>
-          <a:bodyPr/>
-          <a:lstStyle/>
-          <a:p>
-            <a:r>
-              <a:rPr lang="en-US" sz="4400" dirty="0" err="1" smtClean="0">
-                <a:solidFill>
-                  <a:srgbClr val="000000"/>
-                </a:solidFill>
-              </a:rPr>
-              <a:t>Reals</a:t>
-            </a:r>
-            <a:r>
-              <a:rPr lang="en-US" sz="4400" dirty="0" smtClean="0">
-                <a:solidFill>
-                  <a:srgbClr val="000000"/>
-                </a:solidFill>
-              </a:rPr>
-              <a:t> </a:t>
-            </a:r>
-            <a:r>
-              <a:rPr lang="en-US" sz="4400" dirty="0" smtClean="0">
-                <a:solidFill>
-                  <a:srgbClr val="000000"/>
-                </a:solidFill>
-              </a:rPr>
-              <a:t>are </a:t>
+              <a:t> are </a:t>
             </a:r>
             <a:r>
               <a:rPr lang="en-US" sz="4400" dirty="0" smtClean="0">
@@ -8666,7 +8182,7 @@
           <a:graphicData uri="http://schemas.openxmlformats.org/presentationml/2006/ole">
             <mc:AlternateContent xmlns:mc="http://schemas.openxmlformats.org/markup-compatibility/2006">
               <mc:Choice xmlns:v="urn:schemas-microsoft-com:vml" Requires="v">
-                <p:oleObj spid="_x0000_s12291" name="Equation" r:id="rId5" imgW="165100" imgH="165100" progId="Equation.DSMT4">
+                <p:oleObj spid="_x0000_s12293" name="Equation" r:id="rId5" imgW="165100" imgH="165100" progId="Equation.DSMT4">
                   <p:embed/>
                 </p:oleObj>
               </mc:Choice>
@@ -10361,7 +9877,7 @@
           <a:graphicData uri="http://schemas.openxmlformats.org/presentationml/2006/ole">
             <mc:AlternateContent xmlns:mc="http://schemas.openxmlformats.org/markup-compatibility/2006">
               <mc:Choice xmlns:v="urn:schemas-microsoft-com:vml" Requires="v">
-                <p:oleObj spid="_x0000_s4149" name="Equation" r:id="rId5" imgW="1003300" imgH="330200" progId="Equation.DSMT4">
+                <p:oleObj spid="_x0000_s4153" name="Equation" r:id="rId5" imgW="1003300" imgH="330200" progId="Equation.DSMT4">
                   <p:embed/>
                 </p:oleObj>
               </mc:Choice>
@@ -10418,7 +9934,7 @@
           <a:graphicData uri="http://schemas.openxmlformats.org/presentationml/2006/ole">
             <mc:AlternateContent xmlns:mc="http://schemas.openxmlformats.org/markup-compatibility/2006">
               <mc:Choice xmlns:v="urn:schemas-microsoft-com:vml" Requires="v">
-                <p:oleObj spid="_x0000_s4150" name="Equation" r:id="rId7" imgW="546100" imgH="228600" progId="Equation.DSMT4">
+                <p:oleObj spid="_x0000_s4154" name="Equation" r:id="rId7" imgW="546100" imgH="228600" progId="Equation.DSMT4">
                   <p:embed/>
                 </p:oleObj>
               </mc:Choice>
@@ -10475,7 +9991,7 @@
           <a:graphicData uri="http://schemas.openxmlformats.org/presentationml/2006/ole">
             <mc:AlternateContent xmlns:mc="http://schemas.openxmlformats.org/markup-compatibility/2006">
               <mc:Choice xmlns:v="urn:schemas-microsoft-com:vml" Requires="v">
-                <p:oleObj spid="_x0000_s4151" name="Equation" r:id="rId9" imgW="546100" imgH="228600" progId="Equation.DSMT4">
+                <p:oleObj spid="_x0000_s4155" name="Equation" r:id="rId9" imgW="546100" imgH="228600" progId="Equation.DSMT4">
                   <p:embed/>
                 </p:oleObj>
               </mc:Choice>
@@ -14425,7 +13941,7 @@
           <a:graphicData uri="http://schemas.openxmlformats.org/presentationml/2006/ole">
             <mc:AlternateContent xmlns:mc="http://schemas.openxmlformats.org/markup-compatibility/2006">
               <mc:Choice xmlns:v="urn:schemas-microsoft-com:vml" Requires="v">
-                <p:oleObj spid="_x0000_s1066" name="Equation" r:id="rId5" imgW="165100" imgH="165100" progId="Equation.DSMT4">
+                <p:oleObj spid="_x0000_s1069" name="Equation" r:id="rId5" imgW="165100" imgH="165100" progId="Equation.DSMT4">
                   <p:embed/>
                 </p:oleObj>
               </mc:Choice>
@@ -14482,7 +13998,7 @@
           <a:graphicData uri="http://schemas.openxmlformats.org/presentationml/2006/ole">
             <mc:AlternateContent xmlns:mc="http://schemas.openxmlformats.org/markup-compatibility/2006">
               <mc:Choice xmlns:v="urn:schemas-microsoft-com:vml" Requires="v">
-                <p:oleObj spid="_x0000_s1067" name="Equation" r:id="rId7" imgW="215900" imgH="215900" progId="Equation.DSMT4">
+                <p:oleObj spid="_x0000_s1070" name="Equation" r:id="rId7" imgW="215900" imgH="215900" progId="Equation.DSMT4">
                   <p:embed/>
                 </p:oleObj>
               </mc:Choice>
@@ -15084,7 +14600,7 @@
           <a:graphicData uri="http://schemas.openxmlformats.org/presentationml/2006/ole">
             <mc:AlternateContent xmlns:mc="http://schemas.openxmlformats.org/markup-compatibility/2006">
               <mc:Choice xmlns:v="urn:schemas-microsoft-com:vml" Requires="v">
-                <p:oleObj spid="_x0000_s2087" name="Equation" r:id="rId5" imgW="165100" imgH="165100" progId="Equation.DSMT4">
+                <p:oleObj spid="_x0000_s2090" name="Equation" r:id="rId5" imgW="165100" imgH="165100" progId="Equation.DSMT4">
                   <p:embed/>
                 </p:oleObj>
               </mc:Choice>
@@ -15141,7 +14657,7 @@
           <a:graphicData uri="http://schemas.openxmlformats.org/presentationml/2006/ole">
             <mc:AlternateContent xmlns:mc="http://schemas.openxmlformats.org/markup-compatibility/2006">
               <mc:Choice xmlns:v="urn:schemas-microsoft-com:vml" Requires="v">
-                <p:oleObj spid="_x0000_s2088" name="Equation" r:id="rId7" imgW="152400" imgH="165100" progId="Equation.3">
+                <p:oleObj spid="_x0000_s2091" name="Equation" r:id="rId7" imgW="152400" imgH="165100" progId="Equation.3">
                   <p:embed/>
                 </p:oleObj>
               </mc:Choice>
@@ -15516,12 +15032,6 @@
 </file>
 
 <file path=ppt/tags/tag15.xml><?xml version="1.0" encoding="utf-8"?>
-<p:tagLst xmlns:a="http://schemas.openxmlformats.org/drawingml/2006/main" xmlns:r="http://schemas.openxmlformats.org/officeDocument/2006/relationships" xmlns:p="http://schemas.openxmlformats.org/presentationml/2006/main">
-  <p:tag name="TIMING" val="|7.8|44.6"/>
-</p:tagLst>
-</file>
-
-<file path=ppt/tags/tag16.xml><?xml version="1.0" encoding="utf-8"?>
 <p:tagLst xmlns:a="http://schemas.openxmlformats.org/drawingml/2006/main" xmlns:r="http://schemas.openxmlformats.org/officeDocument/2006/relationships" xmlns:p="http://schemas.openxmlformats.org/presentationml/2006/main">
   <p:tag name="TIMING" val="|7.8|44.6"/>
 </p:tagLst>

--- a/spring15/slidesS15/cardinality.pptx
+++ b/spring15/slidesS15/cardinality.pptx
@@ -3072,9 +3072,9 @@
       </p:sp>
       <p:pic>
         <p:nvPicPr>
-          <p:cNvPr id="11" name="Picture 10" descr="license.img"/>
+          <p:cNvPr id="8" name="Picture 7"/>
           <p:cNvPicPr>
-            <a:picLocks/>
+            <a:picLocks noChangeAspect="1"/>
           </p:cNvPicPr>
           <p:nvPr userDrawn="1"/>
         </p:nvPicPr>
@@ -3086,8 +3086,8 @@
         </p:blipFill>
         <p:spPr>
           <a:xfrm>
-            <a:off x="76200" y="6486136"/>
-            <a:ext cx="990600" cy="304800"/>
+            <a:off x="0" y="6500090"/>
+            <a:ext cx="1016000" cy="357909"/>
           </a:xfrm>
           <a:prstGeom prst="rect">
             <a:avLst/>
@@ -4257,7 +4257,7 @@
           <a:graphicData uri="http://schemas.openxmlformats.org/presentationml/2006/ole">
             <mc:AlternateContent xmlns:mc="http://schemas.openxmlformats.org/markup-compatibility/2006">
               <mc:Choice xmlns:v="urn:schemas-microsoft-com:vml" Requires="v">
-                <p:oleObj spid="_x0000_s3122" name="Equation" r:id="rId5" imgW="165100" imgH="165100" progId="Equation.DSMT4">
+                <p:oleObj spid="_x0000_s3125" name="Equation" r:id="rId5" imgW="165100" imgH="165100" progId="Equation.DSMT4">
                   <p:embed/>
                 </p:oleObj>
               </mc:Choice>
@@ -4314,7 +4314,7 @@
           <a:graphicData uri="http://schemas.openxmlformats.org/presentationml/2006/ole">
             <mc:AlternateContent xmlns:mc="http://schemas.openxmlformats.org/markup-compatibility/2006">
               <mc:Choice xmlns:v="urn:schemas-microsoft-com:vml" Requires="v">
-                <p:oleObj spid="_x0000_s3123" name="Equation" r:id="rId7" imgW="1346200" imgH="266700" progId="Equation.DSMT4">
+                <p:oleObj spid="_x0000_s3126" name="Equation" r:id="rId7" imgW="1346200" imgH="266700" progId="Equation.DSMT4">
                   <p:embed/>
                 </p:oleObj>
               </mc:Choice>
@@ -5895,7 +5895,7 @@
           <a:graphicData uri="http://schemas.openxmlformats.org/presentationml/2006/ole">
             <mc:AlternateContent xmlns:mc="http://schemas.openxmlformats.org/markup-compatibility/2006">
               <mc:Choice xmlns:v="urn:schemas-microsoft-com:vml" Requires="v">
-                <p:oleObj spid="_x0000_s7187" name="Equation" r:id="rId5" imgW="419100" imgH="177800" progId="Equation.DSMT4">
+                <p:oleObj spid="_x0000_s7189" name="Equation" r:id="rId5" imgW="419100" imgH="177800" progId="Equation.DSMT4">
                   <p:embed/>
                 </p:oleObj>
               </mc:Choice>
@@ -6627,7 +6627,7 @@
             <a:graphicData uri="http://schemas.openxmlformats.org/presentationml/2006/ole">
               <mc:AlternateContent xmlns:mc="http://schemas.openxmlformats.org/markup-compatibility/2006">
                 <mc:Choice xmlns:v="urn:schemas-microsoft-com:vml" Requires="v">
-                  <p:oleObj spid="_x0000_s9226" name="Equation" r:id="rId5" imgW="165100" imgH="165100" progId="Equation.DSMT4">
+                  <p:oleObj spid="_x0000_s9228" name="Equation" r:id="rId5" imgW="165100" imgH="165100" progId="Equation.DSMT4">
                     <p:embed/>
                   </p:oleObj>
                 </mc:Choice>
@@ -7250,7 +7250,7 @@
           <a:graphicData uri="http://schemas.openxmlformats.org/presentationml/2006/ole">
             <mc:AlternateContent xmlns:mc="http://schemas.openxmlformats.org/markup-compatibility/2006">
               <mc:Choice xmlns:v="urn:schemas-microsoft-com:vml" Requires="v">
-                <p:oleObj spid="_x0000_s8232" name="Equation" r:id="rId5" imgW="431800" imgH="431800" progId="Equation.DSMT4">
+                <p:oleObj spid="_x0000_s8237" name="Equation" r:id="rId5" imgW="431800" imgH="431800" progId="Equation.DSMT4">
                   <p:embed/>
                 </p:oleObj>
               </mc:Choice>
@@ -7351,7 +7351,7 @@
           <a:graphicData uri="http://schemas.openxmlformats.org/presentationml/2006/ole">
             <mc:AlternateContent xmlns:mc="http://schemas.openxmlformats.org/markup-compatibility/2006">
               <mc:Choice xmlns:v="urn:schemas-microsoft-com:vml" Requires="v">
-                <p:oleObj spid="_x0000_s8233" name="Equation" r:id="rId7" imgW="1193800" imgH="266700" progId="Equation.DSMT4">
+                <p:oleObj spid="_x0000_s8238" name="Equation" r:id="rId7" imgW="1193800" imgH="266700" progId="Equation.DSMT4">
                   <p:embed/>
                 </p:oleObj>
               </mc:Choice>
@@ -7497,7 +7497,7 @@
             <a:graphicData uri="http://schemas.openxmlformats.org/presentationml/2006/ole">
               <mc:AlternateContent xmlns:mc="http://schemas.openxmlformats.org/markup-compatibility/2006">
                 <mc:Choice xmlns:v="urn:schemas-microsoft-com:vml" Requires="v">
-                  <p:oleObj spid="_x0000_s8234" name="Equation" r:id="rId9" imgW="190500" imgH="469900" progId="Equation.DSMT4">
+                  <p:oleObj spid="_x0000_s8239" name="Equation" r:id="rId9" imgW="190500" imgH="469900" progId="Equation.DSMT4">
                     <p:embed/>
                   </p:oleObj>
                 </mc:Choice>
@@ -7555,7 +7555,7 @@
           <a:graphicData uri="http://schemas.openxmlformats.org/presentationml/2006/ole">
             <mc:AlternateContent xmlns:mc="http://schemas.openxmlformats.org/markup-compatibility/2006">
               <mc:Choice xmlns:v="urn:schemas-microsoft-com:vml" Requires="v">
-                <p:oleObj spid="_x0000_s8235" name="Equation" r:id="rId11" imgW="431800" imgH="431800" progId="Equation.DSMT4">
+                <p:oleObj spid="_x0000_s8240" name="Equation" r:id="rId11" imgW="431800" imgH="431800" progId="Equation.DSMT4">
                   <p:embed/>
                 </p:oleObj>
               </mc:Choice>
@@ -8182,7 +8182,7 @@
           <a:graphicData uri="http://schemas.openxmlformats.org/presentationml/2006/ole">
             <mc:AlternateContent xmlns:mc="http://schemas.openxmlformats.org/markup-compatibility/2006">
               <mc:Choice xmlns:v="urn:schemas-microsoft-com:vml" Requires="v">
-                <p:oleObj spid="_x0000_s12293" name="Equation" r:id="rId5" imgW="165100" imgH="165100" progId="Equation.DSMT4">
+                <p:oleObj spid="_x0000_s12295" name="Equation" r:id="rId5" imgW="165100" imgH="165100" progId="Equation.DSMT4">
                   <p:embed/>
                 </p:oleObj>
               </mc:Choice>
@@ -9877,7 +9877,7 @@
           <a:graphicData uri="http://schemas.openxmlformats.org/presentationml/2006/ole">
             <mc:AlternateContent xmlns:mc="http://schemas.openxmlformats.org/markup-compatibility/2006">
               <mc:Choice xmlns:v="urn:schemas-microsoft-com:vml" Requires="v">
-                <p:oleObj spid="_x0000_s4153" name="Equation" r:id="rId5" imgW="1003300" imgH="330200" progId="Equation.DSMT4">
+                <p:oleObj spid="_x0000_s4157" name="Equation" r:id="rId5" imgW="1003300" imgH="330200" progId="Equation.DSMT4">
                   <p:embed/>
                 </p:oleObj>
               </mc:Choice>
@@ -9934,7 +9934,7 @@
           <a:graphicData uri="http://schemas.openxmlformats.org/presentationml/2006/ole">
             <mc:AlternateContent xmlns:mc="http://schemas.openxmlformats.org/markup-compatibility/2006">
               <mc:Choice xmlns:v="urn:schemas-microsoft-com:vml" Requires="v">
-                <p:oleObj spid="_x0000_s4154" name="Equation" r:id="rId7" imgW="546100" imgH="228600" progId="Equation.DSMT4">
+                <p:oleObj spid="_x0000_s4158" name="Equation" r:id="rId7" imgW="546100" imgH="228600" progId="Equation.DSMT4">
                   <p:embed/>
                 </p:oleObj>
               </mc:Choice>
@@ -9991,7 +9991,7 @@
           <a:graphicData uri="http://schemas.openxmlformats.org/presentationml/2006/ole">
             <mc:AlternateContent xmlns:mc="http://schemas.openxmlformats.org/markup-compatibility/2006">
               <mc:Choice xmlns:v="urn:schemas-microsoft-com:vml" Requires="v">
-                <p:oleObj spid="_x0000_s4155" name="Equation" r:id="rId9" imgW="546100" imgH="228600" progId="Equation.DSMT4">
+                <p:oleObj spid="_x0000_s4159" name="Equation" r:id="rId9" imgW="546100" imgH="228600" progId="Equation.DSMT4">
                   <p:embed/>
                 </p:oleObj>
               </mc:Choice>
@@ -13941,7 +13941,7 @@
           <a:graphicData uri="http://schemas.openxmlformats.org/presentationml/2006/ole">
             <mc:AlternateContent xmlns:mc="http://schemas.openxmlformats.org/markup-compatibility/2006">
               <mc:Choice xmlns:v="urn:schemas-microsoft-com:vml" Requires="v">
-                <p:oleObj spid="_x0000_s1069" name="Equation" r:id="rId5" imgW="165100" imgH="165100" progId="Equation.DSMT4">
+                <p:oleObj spid="_x0000_s1072" name="Equation" r:id="rId5" imgW="165100" imgH="165100" progId="Equation.DSMT4">
                   <p:embed/>
                 </p:oleObj>
               </mc:Choice>
@@ -13998,7 +13998,7 @@
           <a:graphicData uri="http://schemas.openxmlformats.org/presentationml/2006/ole">
             <mc:AlternateContent xmlns:mc="http://schemas.openxmlformats.org/markup-compatibility/2006">
               <mc:Choice xmlns:v="urn:schemas-microsoft-com:vml" Requires="v">
-                <p:oleObj spid="_x0000_s1070" name="Equation" r:id="rId7" imgW="215900" imgH="215900" progId="Equation.DSMT4">
+                <p:oleObj spid="_x0000_s1073" name="Equation" r:id="rId7" imgW="215900" imgH="215900" progId="Equation.DSMT4">
                   <p:embed/>
                 </p:oleObj>
               </mc:Choice>
@@ -14600,7 +14600,7 @@
           <a:graphicData uri="http://schemas.openxmlformats.org/presentationml/2006/ole">
             <mc:AlternateContent xmlns:mc="http://schemas.openxmlformats.org/markup-compatibility/2006">
               <mc:Choice xmlns:v="urn:schemas-microsoft-com:vml" Requires="v">
-                <p:oleObj spid="_x0000_s2090" name="Equation" r:id="rId5" imgW="165100" imgH="165100" progId="Equation.DSMT4">
+                <p:oleObj spid="_x0000_s2093" name="Equation" r:id="rId5" imgW="165100" imgH="165100" progId="Equation.DSMT4">
                   <p:embed/>
                 </p:oleObj>
               </mc:Choice>
@@ -14657,7 +14657,7 @@
           <a:graphicData uri="http://schemas.openxmlformats.org/presentationml/2006/ole">
             <mc:AlternateContent xmlns:mc="http://schemas.openxmlformats.org/markup-compatibility/2006">
               <mc:Choice xmlns:v="urn:schemas-microsoft-com:vml" Requires="v">
-                <p:oleObj spid="_x0000_s2091" name="Equation" r:id="rId7" imgW="152400" imgH="165100" progId="Equation.3">
+                <p:oleObj spid="_x0000_s2094" name="Equation" r:id="rId7" imgW="152400" imgH="165100" progId="Equation.3">
                   <p:embed/>
                 </p:oleObj>
               </mc:Choice>
